--- a/ITI/TF/Volume1/media/Figure_2.1-1.pptx
+++ b/ITI/TF/Volume1/media/Figure_2.1-1.pptx
@@ -104,6 +104,11 @@
       </a:defRPr>
     </a:lvl9pPr>
   </p:defaultTextStyle>
+  <p:extLst>
+    <p:ext uri="{EFAFB233-063F-42B5-8137-9DF3F51BA10A}">
+      <p15:sldGuideLst xmlns:p15="http://schemas.microsoft.com/office/powerpoint/2012/main"/>
+    </p:ext>
+  </p:extLst>
 </p:presentation>
 </file>
 
@@ -254,7 +259,7 @@
           <a:p>
             <a:fld id="{780E75DA-AF37-4AB8-B561-DDB51AEEFEE7}" type="datetimeFigureOut">
               <a:rPr lang="en-US" smtClean="0"/>
-              <a:t>8/26/2020</a:t>
+              <a:t>11/14/2024</a:t>
             </a:fld>
             <a:endParaRPr lang="en-US"/>
           </a:p>
@@ -452,7 +457,7 @@
           <a:p>
             <a:fld id="{780E75DA-AF37-4AB8-B561-DDB51AEEFEE7}" type="datetimeFigureOut">
               <a:rPr lang="en-US" smtClean="0"/>
-              <a:t>8/26/2020</a:t>
+              <a:t>11/14/2024</a:t>
             </a:fld>
             <a:endParaRPr lang="en-US"/>
           </a:p>
@@ -660,7 +665,7 @@
           <a:p>
             <a:fld id="{780E75DA-AF37-4AB8-B561-DDB51AEEFEE7}" type="datetimeFigureOut">
               <a:rPr lang="en-US" smtClean="0"/>
-              <a:t>8/26/2020</a:t>
+              <a:t>11/14/2024</a:t>
             </a:fld>
             <a:endParaRPr lang="en-US"/>
           </a:p>
@@ -858,7 +863,7 @@
           <a:p>
             <a:fld id="{780E75DA-AF37-4AB8-B561-DDB51AEEFEE7}" type="datetimeFigureOut">
               <a:rPr lang="en-US" smtClean="0"/>
-              <a:t>8/26/2020</a:t>
+              <a:t>11/14/2024</a:t>
             </a:fld>
             <a:endParaRPr lang="en-US"/>
           </a:p>
@@ -1133,7 +1138,7 @@
           <a:p>
             <a:fld id="{780E75DA-AF37-4AB8-B561-DDB51AEEFEE7}" type="datetimeFigureOut">
               <a:rPr lang="en-US" smtClean="0"/>
-              <a:t>8/26/2020</a:t>
+              <a:t>11/14/2024</a:t>
             </a:fld>
             <a:endParaRPr lang="en-US"/>
           </a:p>
@@ -1398,7 +1403,7 @@
           <a:p>
             <a:fld id="{780E75DA-AF37-4AB8-B561-DDB51AEEFEE7}" type="datetimeFigureOut">
               <a:rPr lang="en-US" smtClean="0"/>
-              <a:t>8/26/2020</a:t>
+              <a:t>11/14/2024</a:t>
             </a:fld>
             <a:endParaRPr lang="en-US"/>
           </a:p>
@@ -1810,7 +1815,7 @@
           <a:p>
             <a:fld id="{780E75DA-AF37-4AB8-B561-DDB51AEEFEE7}" type="datetimeFigureOut">
               <a:rPr lang="en-US" smtClean="0"/>
-              <a:t>8/26/2020</a:t>
+              <a:t>11/14/2024</a:t>
             </a:fld>
             <a:endParaRPr lang="en-US"/>
           </a:p>
@@ -1951,7 +1956,7 @@
           <a:p>
             <a:fld id="{780E75DA-AF37-4AB8-B561-DDB51AEEFEE7}" type="datetimeFigureOut">
               <a:rPr lang="en-US" smtClean="0"/>
-              <a:t>8/26/2020</a:t>
+              <a:t>11/14/2024</a:t>
             </a:fld>
             <a:endParaRPr lang="en-US"/>
           </a:p>
@@ -2064,7 +2069,7 @@
           <a:p>
             <a:fld id="{780E75DA-AF37-4AB8-B561-DDB51AEEFEE7}" type="datetimeFigureOut">
               <a:rPr lang="en-US" smtClean="0"/>
-              <a:t>8/26/2020</a:t>
+              <a:t>11/14/2024</a:t>
             </a:fld>
             <a:endParaRPr lang="en-US"/>
           </a:p>
@@ -2375,7 +2380,7 @@
           <a:p>
             <a:fld id="{780E75DA-AF37-4AB8-B561-DDB51AEEFEE7}" type="datetimeFigureOut">
               <a:rPr lang="en-US" smtClean="0"/>
-              <a:t>8/26/2020</a:t>
+              <a:t>11/14/2024</a:t>
             </a:fld>
             <a:endParaRPr lang="en-US"/>
           </a:p>
@@ -2663,7 +2668,7 @@
           <a:p>
             <a:fld id="{780E75DA-AF37-4AB8-B561-DDB51AEEFEE7}" type="datetimeFigureOut">
               <a:rPr lang="en-US" smtClean="0"/>
-              <a:t>8/26/2020</a:t>
+              <a:t>11/14/2024</a:t>
             </a:fld>
             <a:endParaRPr lang="en-US"/>
           </a:p>
@@ -2904,7 +2909,7 @@
           <a:p>
             <a:fld id="{780E75DA-AF37-4AB8-B561-DDB51AEEFEE7}" type="datetimeFigureOut">
               <a:rPr lang="en-US" smtClean="0"/>
-              <a:t>8/26/2020</a:t>
+              <a:t>11/14/2024</a:t>
             </a:fld>
             <a:endParaRPr lang="en-US"/>
           </a:p>
@@ -3337,10 +3342,10 @@
         </p:nvGrpSpPr>
         <p:grpSpPr>
           <a:xfrm>
-            <a:off x="380584" y="457200"/>
-            <a:ext cx="10887499" cy="5943600"/>
-            <a:chOff x="9525" y="466725"/>
-            <a:chExt cx="8229600" cy="4492625"/>
+            <a:off x="584709" y="419396"/>
+            <a:ext cx="10598090" cy="6041797"/>
+            <a:chOff x="55563" y="438150"/>
+            <a:chExt cx="8010842" cy="4566848"/>
           </a:xfrm>
         </p:grpSpPr>
         <p:grpSp>
@@ -3359,10 +3364,10 @@
           </p:nvGrpSpPr>
           <p:grpSpPr bwMode="auto">
             <a:xfrm>
-              <a:off x="2798763" y="466725"/>
-              <a:ext cx="2519362" cy="1905000"/>
-              <a:chOff x="2253" y="912"/>
-              <a:chExt cx="1587" cy="1200"/>
+              <a:off x="2798763" y="438150"/>
+              <a:ext cx="2519362" cy="1933575"/>
+              <a:chOff x="2253" y="894"/>
+              <a:chExt cx="1587" cy="1218"/>
             </a:xfrm>
           </p:grpSpPr>
           <p:sp>
@@ -3751,8 +3756,8 @@
             </p:nvSpPr>
             <p:spPr bwMode="auto">
               <a:xfrm>
-                <a:off x="2304" y="912"/>
-                <a:ext cx="1536" cy="1200"/>
+                <a:off x="2304" y="894"/>
+                <a:ext cx="1536" cy="1218"/>
               </a:xfrm>
               <a:prstGeom prst="rect">
                 <a:avLst/>
@@ -3797,7 +3802,7 @@
             </p:nvSpPr>
             <p:spPr bwMode="auto">
               <a:xfrm>
-                <a:off x="2253" y="1008"/>
+                <a:off x="2253" y="971"/>
                 <a:ext cx="1539" cy="391"/>
               </a:xfrm>
               <a:prstGeom prst="rect">
@@ -3852,7 +3857,7 @@
                   <a:tabLst/>
                 </a:pPr>
                 <a:r>
-                  <a:rPr kumimoji="0" lang="en-US" altLang="en-US" b="1" i="1" u="none" strike="noStrike" cap="none" normalizeH="0" baseline="0">
+                  <a:rPr kumimoji="0" lang="en-US" altLang="en-US" b="1" i="1" u="none" strike="noStrike" cap="none" normalizeH="0" baseline="0" dirty="0">
                     <a:ln>
                       <a:noFill/>
                     </a:ln>
@@ -3867,7 +3872,7 @@
                   <a:t>Retrieve Information</a:t>
                 </a:r>
                 <a:br>
-                  <a:rPr kumimoji="0" lang="en-US" altLang="en-US" b="1" i="1" u="none" strike="noStrike" cap="none" normalizeH="0" baseline="0">
+                  <a:rPr kumimoji="0" lang="en-US" altLang="en-US" b="1" i="1" u="none" strike="noStrike" cap="none" normalizeH="0" baseline="0" dirty="0">
                     <a:ln>
                       <a:noFill/>
                     </a:ln>
@@ -3881,7 +3886,7 @@
                   </a:rPr>
                 </a:br>
                 <a:r>
-                  <a:rPr kumimoji="0" lang="en-US" altLang="en-US" b="1" i="1" u="none" strike="noStrike" cap="none" normalizeH="0" baseline="0">
+                  <a:rPr kumimoji="0" lang="en-US" altLang="en-US" b="1" i="1" u="none" strike="noStrike" cap="none" normalizeH="0" baseline="0" dirty="0">
                     <a:ln>
                       <a:noFill/>
                     </a:ln>
@@ -3895,7 +3900,7 @@
                   </a:rPr>
                   <a:t> for Display</a:t>
                 </a:r>
-                <a:endParaRPr kumimoji="0" lang="en-US" altLang="en-US" sz="2000" b="0" i="0" u="none" strike="noStrike" cap="none" normalizeH="0" baseline="0">
+                <a:endParaRPr kumimoji="0" lang="en-US" altLang="en-US" sz="2000" b="0" i="0" u="none" strike="noStrike" cap="none" normalizeH="0" baseline="0" dirty="0">
                   <a:ln>
                     <a:noFill/>
                   </a:ln>
@@ -3979,7 +3984,7 @@
                   <a:tabLst/>
                 </a:pPr>
                 <a:r>
-                  <a:rPr kumimoji="0" lang="en-US" altLang="en-US" sz="1400" b="1" i="0" u="none" strike="noStrike" cap="none" normalizeH="0" baseline="0">
+                  <a:rPr kumimoji="0" lang="en-US" altLang="en-US" sz="1400" b="1" i="0" u="none" strike="noStrike" cap="none" normalizeH="0" baseline="0" dirty="0">
                     <a:ln>
                       <a:noFill/>
                     </a:ln>
@@ -3994,7 +3999,7 @@
                   <a:t>Access a patient’s clinical information and documents in a format ready to be presented</a:t>
                 </a:r>
                 <a:br>
-                  <a:rPr kumimoji="0" lang="en-US" altLang="en-US" sz="1400" b="1" i="0" u="none" strike="noStrike" cap="none" normalizeH="0" baseline="0">
+                  <a:rPr kumimoji="0" lang="en-US" altLang="en-US" sz="1400" b="1" i="0" u="none" strike="noStrike" cap="none" normalizeH="0" baseline="0" dirty="0">
                     <a:ln>
                       <a:noFill/>
                     </a:ln>
@@ -4008,7 +4013,7 @@
                   </a:rPr>
                 </a:br>
                 <a:r>
-                  <a:rPr kumimoji="0" lang="en-US" altLang="en-US" sz="1400" b="1" i="0" u="none" strike="noStrike" cap="none" normalizeH="0" baseline="0">
+                  <a:rPr kumimoji="0" lang="en-US" altLang="en-US" sz="1400" b="1" i="0" u="none" strike="noStrike" cap="none" normalizeH="0" baseline="0" dirty="0">
                     <a:ln>
                       <a:noFill/>
                     </a:ln>
@@ -4020,9 +4025,42 @@
                     <a:ea typeface="Times New Roman" panose="02020603050405020304" pitchFamily="18" charset="0"/>
                     <a:cs typeface="Arial" panose="020B0604020202020204" pitchFamily="34" charset="0"/>
                   </a:rPr>
-                  <a:t>to the requesting user</a:t>
+                  <a:t>to the requesting user </a:t>
                 </a:r>
-                <a:endParaRPr kumimoji="0" lang="en-US" altLang="en-US" sz="2000" b="0" i="0" u="none" strike="noStrike" cap="none" normalizeH="0" baseline="0">
+              </a:p>
+              <a:p>
+                <a:pPr marL="0" marR="0" lvl="0" indent="0" algn="ctr" defTabSz="914400" rtl="0" eaLnBrk="0" fontAlgn="base" latinLnBrk="0" hangingPunct="0">
+                  <a:lnSpc>
+                    <a:spcPct val="100000"/>
+                  </a:lnSpc>
+                  <a:spcBef>
+                    <a:spcPct val="0"/>
+                  </a:spcBef>
+                  <a:spcAft>
+                    <a:spcPct val="0"/>
+                  </a:spcAft>
+                  <a:buClrTx/>
+                  <a:buSzTx/>
+                  <a:buFontTx/>
+                  <a:buNone/>
+                  <a:tabLst/>
+                </a:pPr>
+                <a:r>
+                  <a:rPr kumimoji="0" lang="en-US" altLang="en-US" sz="1400" b="1" i="0" u="none" strike="noStrike" cap="none" normalizeH="0" baseline="0" dirty="0">
+                    <a:ln>
+                      <a:noFill/>
+                    </a:ln>
+                    <a:solidFill>
+                      <a:srgbClr val="000080"/>
+                    </a:solidFill>
+                    <a:effectLst/>
+                    <a:latin typeface="Arial" panose="020B0604020202020204" pitchFamily="34" charset="0"/>
+                    <a:ea typeface="Times New Roman" panose="02020603050405020304" pitchFamily="18" charset="0"/>
+                    <a:cs typeface="Arial" panose="020B0604020202020204" pitchFamily="34" charset="0"/>
+                  </a:rPr>
+                  <a:t>(RID, QEDm, mXDE)</a:t>
+                </a:r>
+                <a:endParaRPr kumimoji="0" lang="en-US" altLang="en-US" sz="2000" b="0" i="0" u="none" strike="noStrike" cap="none" normalizeH="0" baseline="0" dirty="0">
                   <a:ln>
                     <a:noFill/>
                   </a:ln>
@@ -4036,52 +4074,6 @@
             </p:txBody>
           </p:sp>
         </p:grpSp>
-        <p:sp>
-          <p:nvSpPr>
-            <p:cNvPr id="12" name="Rectangle 34">
-              <a:extLst>
-                <a:ext uri="{FF2B5EF4-FFF2-40B4-BE49-F238E27FC236}">
-                  <a16:creationId xmlns:a16="http://schemas.microsoft.com/office/drawing/2014/main" id="{4C167BFC-4D23-49C2-9011-A4289CA3FD25}"/>
-                </a:ext>
-              </a:extLst>
-            </p:cNvPr>
-            <p:cNvSpPr>
-              <a:spLocks noChangeArrowheads="1"/>
-            </p:cNvSpPr>
-            <p:nvPr/>
-          </p:nvSpPr>
-          <p:spPr bwMode="auto">
-            <a:xfrm>
-              <a:off x="238125" y="3438525"/>
-              <a:ext cx="2176463" cy="1520825"/>
-            </a:xfrm>
-            <a:prstGeom prst="rect">
-              <a:avLst/>
-            </a:prstGeom>
-            <a:solidFill>
-              <a:srgbClr val="FF99CC"/>
-            </a:solidFill>
-            <a:ln w="31115">
-              <a:solidFill>
-                <a:srgbClr val="FF0000"/>
-              </a:solidFill>
-              <a:miter lim="800000"/>
-              <a:headEnd/>
-              <a:tailEnd/>
-            </a:ln>
-          </p:spPr>
-          <p:txBody>
-            <a:bodyPr vert="horz" wrap="square" lIns="91440" tIns="45720" rIns="91440" bIns="45720" numCol="1" anchor="t" anchorCtr="0" compatLnSpc="1">
-              <a:prstTxWarp prst="textNoShape">
-                <a:avLst/>
-              </a:prstTxWarp>
-            </a:bodyPr>
-            <a:lstStyle/>
-            <a:p>
-              <a:endParaRPr lang="en-US" sz="2000"/>
-            </a:p>
-          </p:txBody>
-        </p:sp>
         <p:sp>
           <p:nvSpPr>
             <p:cNvPr id="13" name="Rectangle 33">
@@ -4182,104 +4174,6 @@
         </p:sp>
         <p:sp>
           <p:nvSpPr>
-            <p:cNvPr id="14" name="Rectangle 32">
-              <a:extLst>
-                <a:ext uri="{FF2B5EF4-FFF2-40B4-BE49-F238E27FC236}">
-                  <a16:creationId xmlns:a16="http://schemas.microsoft.com/office/drawing/2014/main" id="{F8BA2015-AB2D-471E-8DDC-E92D09357DFF}"/>
-                </a:ext>
-              </a:extLst>
-            </p:cNvPr>
-            <p:cNvSpPr>
-              <a:spLocks noChangeArrowheads="1"/>
-            </p:cNvSpPr>
-            <p:nvPr/>
-          </p:nvSpPr>
-          <p:spPr bwMode="auto">
-            <a:xfrm>
-              <a:off x="312738" y="4344988"/>
-              <a:ext cx="2016125" cy="547687"/>
-            </a:xfrm>
-            <a:prstGeom prst="rect">
-              <a:avLst/>
-            </a:prstGeom>
-            <a:noFill/>
-            <a:ln>
-              <a:noFill/>
-            </a:ln>
-            <a:extLst>
-              <a:ext uri="{909E8E84-426E-40DD-AFC4-6F175D3DCCD1}">
-                <a14:hiddenFill xmlns:a14="http://schemas.microsoft.com/office/drawing/2010/main">
-                  <a:solidFill>
-                    <a:srgbClr val="FFFFFF"/>
-                  </a:solidFill>
-                </a14:hiddenFill>
-              </a:ext>
-              <a:ext uri="{91240B29-F687-4F45-9708-019B960494DF}">
-                <a14:hiddenLine xmlns:a14="http://schemas.microsoft.com/office/drawing/2010/main" w="9525">
-                  <a:solidFill>
-                    <a:srgbClr val="000000"/>
-                  </a:solidFill>
-                  <a:miter lim="800000"/>
-                  <a:headEnd/>
-                  <a:tailEnd/>
-                </a14:hiddenLine>
-              </a:ext>
-            </a:extLst>
-          </p:spPr>
-          <p:txBody>
-            <a:bodyPr vert="horz" wrap="square" lIns="0" tIns="0" rIns="0" bIns="0" numCol="1" anchor="t" anchorCtr="0" compatLnSpc="1">
-              <a:prstTxWarp prst="textNoShape">
-                <a:avLst/>
-              </a:prstTxWarp>
-            </a:bodyPr>
-            <a:lstStyle/>
-            <a:p>
-              <a:pPr marL="0" marR="0" lvl="0" indent="0" algn="ctr" defTabSz="914400" rtl="0" eaLnBrk="0" fontAlgn="base" latinLnBrk="0" hangingPunct="0">
-                <a:lnSpc>
-                  <a:spcPct val="100000"/>
-                </a:lnSpc>
-                <a:spcBef>
-                  <a:spcPct val="0"/>
-                </a:spcBef>
-                <a:spcAft>
-                  <a:spcPct val="0"/>
-                </a:spcAft>
-                <a:buClrTx/>
-                <a:buSzTx/>
-                <a:buFontTx/>
-                <a:buNone/>
-                <a:tabLst/>
-              </a:pPr>
-              <a:r>
-                <a:rPr kumimoji="0" lang="en-US" altLang="en-US" sz="1400" b="1" i="0" u="none" strike="noStrike" cap="none" normalizeH="0" baseline="0">
-                  <a:ln>
-                    <a:noFill/>
-                  </a:ln>
-                  <a:solidFill>
-                    <a:srgbClr val="000080"/>
-                  </a:solidFill>
-                  <a:effectLst/>
-                  <a:latin typeface="Arial" panose="020B0604020202020204" pitchFamily="34" charset="0"/>
-                  <a:ea typeface="Times New Roman" panose="02020603050405020304" pitchFamily="18" charset="0"/>
-                  <a:cs typeface="Arial" panose="020B0604020202020204" pitchFamily="34" charset="0"/>
-                </a:rPr>
-                <a:t>Map patient identifiers across independent identification domains</a:t>
-              </a:r>
-              <a:endParaRPr kumimoji="0" lang="en-US" altLang="en-US" sz="2000" b="0" i="0" u="none" strike="noStrike" cap="none" normalizeH="0" baseline="0">
-                <a:ln>
-                  <a:noFill/>
-                </a:ln>
-                <a:solidFill>
-                  <a:schemeClr val="tx1"/>
-                </a:solidFill>
-                <a:effectLst/>
-                <a:latin typeface="Arial" panose="020B0604020202020204" pitchFamily="34" charset="0"/>
-              </a:endParaRPr>
-            </a:p>
-          </p:txBody>
-        </p:sp>
-        <p:sp>
-          <p:nvSpPr>
             <p:cNvPr id="15" name="Rectangle 31">
               <a:extLst>
                 <a:ext uri="{FF2B5EF4-FFF2-40B4-BE49-F238E27FC236}">
@@ -4294,8 +4188,8 @@
           </p:nvSpPr>
           <p:spPr bwMode="auto">
             <a:xfrm>
-              <a:off x="9525" y="3209925"/>
-              <a:ext cx="2438400" cy="1749425"/>
+              <a:off x="55563" y="2548823"/>
+              <a:ext cx="2438400" cy="1626301"/>
             </a:xfrm>
             <a:prstGeom prst="rect">
               <a:avLst/>
@@ -4340,7 +4234,7 @@
           </p:nvSpPr>
           <p:spPr bwMode="auto">
             <a:xfrm>
-              <a:off x="131763" y="3362325"/>
+              <a:off x="177801" y="2701223"/>
               <a:ext cx="2151062" cy="762000"/>
             </a:xfrm>
             <a:prstGeom prst="rect">
@@ -4395,7 +4289,7 @@
                 <a:tabLst/>
               </a:pPr>
               <a:r>
-                <a:rPr kumimoji="0" lang="en-US" altLang="en-US" b="1" i="1" u="none" strike="noStrike" cap="none" normalizeH="0" baseline="0">
+                <a:rPr kumimoji="0" lang="en-US" altLang="en-US" b="1" i="1" u="none" strike="noStrike" cap="none" normalizeH="0" baseline="0" dirty="0">
                   <a:ln>
                     <a:noFill/>
                   </a:ln>
@@ -4407,9 +4301,9 @@
                   <a:ea typeface="Times New Roman" panose="02020603050405020304" pitchFamily="18" charset="0"/>
                   <a:cs typeface="Arial" panose="020B0604020202020204" pitchFamily="34" charset="0"/>
                 </a:rPr>
-                <a:t>Patient Identifier Cross-referencing for MPI</a:t>
+                <a:t>Patient Identity Management</a:t>
               </a:r>
-              <a:endParaRPr kumimoji="0" lang="en-US" altLang="en-US" sz="2000" b="0" i="0" u="none" strike="noStrike" cap="none" normalizeH="0" baseline="0">
+              <a:endParaRPr kumimoji="0" lang="en-US" altLang="en-US" sz="2000" b="0" i="0" u="none" strike="noStrike" cap="none" normalizeH="0" baseline="0" dirty="0">
                 <a:ln>
                   <a:noFill/>
                 </a:ln>
@@ -4438,8 +4332,8 @@
           </p:nvSpPr>
           <p:spPr bwMode="auto">
             <a:xfrm>
-              <a:off x="198438" y="4200525"/>
-              <a:ext cx="2016125" cy="547688"/>
+              <a:off x="244476" y="3286676"/>
+              <a:ext cx="2016125" cy="725488"/>
             </a:xfrm>
             <a:prstGeom prst="rect">
               <a:avLst/>
@@ -4493,7 +4387,7 @@
                 <a:tabLst/>
               </a:pPr>
               <a:r>
-                <a:rPr kumimoji="0" lang="en-US" altLang="en-US" sz="1400" b="1" i="0" u="none" strike="noStrike" cap="none" normalizeH="0" baseline="0">
+                <a:rPr kumimoji="0" lang="en-US" altLang="en-US" sz="1400" b="1" i="0" u="none" strike="noStrike" cap="none" normalizeH="0" baseline="0" dirty="0">
                   <a:ln>
                     <a:noFill/>
                   </a:ln>
@@ -4505,120 +4399,9 @@
                   <a:ea typeface="Times New Roman" panose="02020603050405020304" pitchFamily="18" charset="0"/>
                   <a:cs typeface="Arial" panose="020B0604020202020204" pitchFamily="34" charset="0"/>
                 </a:rPr>
-                <a:t>Map patient identifiers across independent identification domains</a:t>
+                <a:t>Map patient identifiers across independent identification domains </a:t>
               </a:r>
-              <a:endParaRPr kumimoji="0" lang="en-US" altLang="en-US" sz="2000" b="0" i="0" u="none" strike="noStrike" cap="none" normalizeH="0" baseline="0">
-                <a:ln>
-                  <a:noFill/>
-                </a:ln>
-                <a:solidFill>
-                  <a:schemeClr val="tx1"/>
-                </a:solidFill>
-                <a:effectLst/>
-                <a:latin typeface="Arial" panose="020B0604020202020204" pitchFamily="34" charset="0"/>
-              </a:endParaRPr>
             </a:p>
-          </p:txBody>
-        </p:sp>
-        <p:sp>
-          <p:nvSpPr>
-            <p:cNvPr id="18" name="Rectangle 28">
-              <a:extLst>
-                <a:ext uri="{FF2B5EF4-FFF2-40B4-BE49-F238E27FC236}">
-                  <a16:creationId xmlns:a16="http://schemas.microsoft.com/office/drawing/2014/main" id="{F1947CD4-C083-4C35-8750-A00AD4CB4F14}"/>
-                </a:ext>
-              </a:extLst>
-            </p:cNvPr>
-            <p:cNvSpPr>
-              <a:spLocks noChangeArrowheads="1"/>
-            </p:cNvSpPr>
-            <p:nvPr/>
-          </p:nvSpPr>
-          <p:spPr bwMode="auto">
-            <a:xfrm>
-              <a:off x="5800725" y="2295525"/>
-              <a:ext cx="2438400" cy="1092200"/>
-            </a:xfrm>
-            <a:prstGeom prst="rect">
-              <a:avLst/>
-            </a:prstGeom>
-            <a:solidFill>
-              <a:srgbClr val="FFFF00"/>
-            </a:solidFill>
-            <a:ln w="31115">
-              <a:solidFill>
-                <a:srgbClr val="FF0000"/>
-              </a:solidFill>
-              <a:miter lim="800000"/>
-              <a:headEnd/>
-              <a:tailEnd/>
-            </a:ln>
-          </p:spPr>
-          <p:txBody>
-            <a:bodyPr vert="horz" wrap="square" lIns="91440" tIns="45720" rIns="91440" bIns="45720" numCol="1" anchor="t" anchorCtr="0" compatLnSpc="1">
-              <a:prstTxWarp prst="textNoShape">
-                <a:avLst/>
-              </a:prstTxWarp>
-            </a:bodyPr>
-            <a:lstStyle/>
-            <a:p>
-              <a:endParaRPr lang="en-US" sz="2000"/>
-            </a:p>
-          </p:txBody>
-        </p:sp>
-        <p:sp>
-          <p:nvSpPr>
-            <p:cNvPr id="19" name="Rectangle 27">
-              <a:extLst>
-                <a:ext uri="{FF2B5EF4-FFF2-40B4-BE49-F238E27FC236}">
-                  <a16:creationId xmlns:a16="http://schemas.microsoft.com/office/drawing/2014/main" id="{52171BF2-4867-49FA-A683-76CFED02CA89}"/>
-                </a:ext>
-              </a:extLst>
-            </p:cNvPr>
-            <p:cNvSpPr>
-              <a:spLocks noChangeArrowheads="1"/>
-            </p:cNvSpPr>
-            <p:nvPr/>
-          </p:nvSpPr>
-          <p:spPr bwMode="auto">
-            <a:xfrm>
-              <a:off x="5848350" y="2819400"/>
-              <a:ext cx="2390775" cy="541338"/>
-            </a:xfrm>
-            <a:prstGeom prst="rect">
-              <a:avLst/>
-            </a:prstGeom>
-            <a:noFill/>
-            <a:ln>
-              <a:noFill/>
-            </a:ln>
-            <a:extLst>
-              <a:ext uri="{909E8E84-426E-40DD-AFC4-6F175D3DCCD1}">
-                <a14:hiddenFill xmlns:a14="http://schemas.microsoft.com/office/drawing/2010/main">
-                  <a:solidFill>
-                    <a:srgbClr val="FFFFFF"/>
-                  </a:solidFill>
-                </a14:hiddenFill>
-              </a:ext>
-              <a:ext uri="{91240B29-F687-4F45-9708-019B960494DF}">
-                <a14:hiddenLine xmlns:a14="http://schemas.microsoft.com/office/drawing/2010/main" w="9525">
-                  <a:solidFill>
-                    <a:srgbClr val="000000"/>
-                  </a:solidFill>
-                  <a:miter lim="800000"/>
-                  <a:headEnd/>
-                  <a:tailEnd/>
-                </a14:hiddenLine>
-              </a:ext>
-            </a:extLst>
-          </p:spPr>
-          <p:txBody>
-            <a:bodyPr vert="horz" wrap="square" lIns="0" tIns="0" rIns="0" bIns="0" numCol="1" anchor="t" anchorCtr="0" compatLnSpc="1">
-              <a:prstTxWarp prst="textNoShape">
-                <a:avLst/>
-              </a:prstTxWarp>
-            </a:bodyPr>
-            <a:lstStyle/>
             <a:p>
               <a:pPr marL="0" marR="0" lvl="0" indent="0" algn="ctr" defTabSz="914400" rtl="0" eaLnBrk="0" fontAlgn="base" latinLnBrk="0" hangingPunct="0">
                 <a:lnSpc>
@@ -4637,7 +4420,7 @@
                 <a:tabLst/>
               </a:pPr>
               <a:r>
-                <a:rPr kumimoji="0" lang="en-US" altLang="en-US" sz="1400" b="1" i="0" u="none" strike="noStrike" cap="none" normalizeH="0" baseline="0">
+                <a:rPr kumimoji="0" lang="en-US" altLang="en-US" sz="1400" b="1" i="0" u="none" strike="noStrike" cap="none" normalizeH="0" baseline="0" dirty="0">
                   <a:ln>
                     <a:noFill/>
                   </a:ln>
@@ -4649,107 +4432,9 @@
                   <a:ea typeface="Times New Roman" panose="02020603050405020304" pitchFamily="18" charset="0"/>
                   <a:cs typeface="Arial" panose="020B0604020202020204" pitchFamily="34" charset="0"/>
                 </a:rPr>
-                <a:t>Synchronize multiple applications on a desktop to the same patient</a:t>
+                <a:t>(PDQ, PDQm, PIX, PIXm, PAM, PMIR, XCPD)</a:t>
               </a:r>
-              <a:endParaRPr kumimoji="0" lang="en-US" altLang="en-US" sz="2000" b="0" i="0" u="none" strike="noStrike" cap="none" normalizeH="0" baseline="0">
-                <a:ln>
-                  <a:noFill/>
-                </a:ln>
-                <a:solidFill>
-                  <a:schemeClr val="tx1"/>
-                </a:solidFill>
-                <a:effectLst/>
-                <a:latin typeface="Arial" panose="020B0604020202020204" pitchFamily="34" charset="0"/>
-              </a:endParaRPr>
-            </a:p>
-          </p:txBody>
-        </p:sp>
-        <p:sp>
-          <p:nvSpPr>
-            <p:cNvPr id="20" name="Rectangle 26">
-              <a:extLst>
-                <a:ext uri="{FF2B5EF4-FFF2-40B4-BE49-F238E27FC236}">
-                  <a16:creationId xmlns:a16="http://schemas.microsoft.com/office/drawing/2014/main" id="{75E4F1BE-8A10-4313-8A72-E5E5A4320729}"/>
-                </a:ext>
-              </a:extLst>
-            </p:cNvPr>
-            <p:cNvSpPr>
-              <a:spLocks noChangeArrowheads="1"/>
-            </p:cNvSpPr>
-            <p:nvPr/>
-          </p:nvSpPr>
-          <p:spPr bwMode="auto">
-            <a:xfrm>
-              <a:off x="5910263" y="2325688"/>
-              <a:ext cx="2211387" cy="579437"/>
-            </a:xfrm>
-            <a:prstGeom prst="rect">
-              <a:avLst/>
-            </a:prstGeom>
-            <a:noFill/>
-            <a:ln>
-              <a:noFill/>
-            </a:ln>
-            <a:extLst>
-              <a:ext uri="{909E8E84-426E-40DD-AFC4-6F175D3DCCD1}">
-                <a14:hiddenFill xmlns:a14="http://schemas.microsoft.com/office/drawing/2010/main">
-                  <a:solidFill>
-                    <a:srgbClr val="FFFFFF"/>
-                  </a:solidFill>
-                </a14:hiddenFill>
-              </a:ext>
-              <a:ext uri="{91240B29-F687-4F45-9708-019B960494DF}">
-                <a14:hiddenLine xmlns:a14="http://schemas.microsoft.com/office/drawing/2010/main" w="9525">
-                  <a:solidFill>
-                    <a:srgbClr val="000000"/>
-                  </a:solidFill>
-                  <a:miter lim="800000"/>
-                  <a:headEnd/>
-                  <a:tailEnd/>
-                </a14:hiddenLine>
-              </a:ext>
-            </a:extLst>
-          </p:spPr>
-          <p:txBody>
-            <a:bodyPr vert="horz" wrap="square" lIns="0" tIns="0" rIns="0" bIns="0" numCol="1" anchor="t" anchorCtr="0" compatLnSpc="1">
-              <a:prstTxWarp prst="textNoShape">
-                <a:avLst/>
-              </a:prstTxWarp>
-            </a:bodyPr>
-            <a:lstStyle/>
-            <a:p>
-              <a:pPr marL="0" marR="0" lvl="0" indent="0" algn="ctr" defTabSz="914400" rtl="0" eaLnBrk="0" fontAlgn="base" latinLnBrk="0" hangingPunct="0">
-                <a:lnSpc>
-                  <a:spcPct val="100000"/>
-                </a:lnSpc>
-                <a:spcBef>
-                  <a:spcPct val="0"/>
-                </a:spcBef>
-                <a:spcAft>
-                  <a:spcPct val="0"/>
-                </a:spcAft>
-                <a:buClrTx/>
-                <a:buSzTx/>
-                <a:buFontTx/>
-                <a:buNone/>
-                <a:tabLst/>
-              </a:pPr>
-              <a:r>
-                <a:rPr kumimoji="0" lang="en-US" altLang="en-US" b="1" i="1" u="none" strike="noStrike" cap="none" normalizeH="0" baseline="0">
-                  <a:ln>
-                    <a:noFill/>
-                  </a:ln>
-                  <a:solidFill>
-                    <a:srgbClr val="000080"/>
-                  </a:solidFill>
-                  <a:effectLst/>
-                  <a:latin typeface="Arial" panose="020B0604020202020204" pitchFamily="34" charset="0"/>
-                  <a:ea typeface="Times New Roman" panose="02020603050405020304" pitchFamily="18" charset="0"/>
-                  <a:cs typeface="Arial" panose="020B0604020202020204" pitchFamily="34" charset="0"/>
-                </a:rPr>
-                <a:t>Patient Synchronized Applications</a:t>
-              </a:r>
-              <a:endParaRPr kumimoji="0" lang="en-US" altLang="en-US" sz="2000" b="0" i="0" u="none" strike="noStrike" cap="none" normalizeH="0" baseline="0">
+              <a:endParaRPr kumimoji="0" lang="en-US" altLang="en-US" sz="2000" b="0" i="0" u="none" strike="noStrike" cap="none" normalizeH="0" baseline="0" dirty="0">
                 <a:ln>
                   <a:noFill/>
                 </a:ln>
@@ -4778,9 +4463,9 @@
           </p:nvGrpSpPr>
           <p:grpSpPr bwMode="auto">
             <a:xfrm>
-              <a:off x="2879725" y="4276725"/>
+              <a:off x="55798" y="4325548"/>
               <a:ext cx="2438400" cy="679450"/>
-              <a:chOff x="2568" y="3216"/>
+              <a:chOff x="1418" y="3264"/>
               <a:chExt cx="993" cy="668"/>
             </a:xfrm>
           </p:grpSpPr>
@@ -4800,14 +4485,17 @@
             </p:nvSpPr>
             <p:spPr bwMode="auto">
               <a:xfrm>
-                <a:off x="2568" y="3216"/>
+                <a:off x="1418" y="3264"/>
                 <a:ext cx="993" cy="668"/>
               </a:xfrm>
               <a:prstGeom prst="rect">
                 <a:avLst/>
               </a:prstGeom>
               <a:solidFill>
-                <a:srgbClr val="969696"/>
+                <a:schemeClr val="accent2">
+                  <a:lumMod val="60000"/>
+                  <a:lumOff val="40000"/>
+                </a:schemeClr>
               </a:solidFill>
               <a:ln w="31115">
                 <a:solidFill>
@@ -4846,7 +4534,7 @@
             </p:nvSpPr>
             <p:spPr bwMode="auto">
               <a:xfrm>
-                <a:off x="2592" y="3216"/>
+                <a:off x="1442" y="3264"/>
                 <a:ext cx="910" cy="242"/>
               </a:xfrm>
               <a:prstGeom prst="rect">
@@ -4901,21 +4589,16 @@
                   <a:tabLst/>
                 </a:pPr>
                 <a:r>
-                  <a:rPr kumimoji="0" lang="en-US" altLang="en-US" b="1" i="1" u="none" strike="noStrike" cap="none" normalizeH="0" baseline="0">
-                    <a:ln>
-                      <a:noFill/>
-                    </a:ln>
+                  <a:rPr lang="en-US" altLang="en-US" sz="2000" b="1" i="1" dirty="0">
                     <a:solidFill>
                       <a:srgbClr val="000080"/>
                     </a:solidFill>
-                    <a:effectLst/>
                     <a:latin typeface="Arial" panose="020B0604020202020204" pitchFamily="34" charset="0"/>
-                    <a:ea typeface="Times New Roman" panose="02020603050405020304" pitchFamily="18" charset="0"/>
                     <a:cs typeface="Arial" panose="020B0604020202020204" pitchFamily="34" charset="0"/>
                   </a:rPr>
-                  <a:t>Consistent Time</a:t>
+                  <a:t>Scheduling</a:t>
                 </a:r>
-                <a:endParaRPr kumimoji="0" lang="en-US" altLang="en-US" sz="2000" b="0" i="0" u="none" strike="noStrike" cap="none" normalizeH="0" baseline="0">
+                <a:endParaRPr kumimoji="0" lang="en-US" altLang="en-US" sz="2000" b="0" i="0" u="none" strike="noStrike" cap="none" normalizeH="0" baseline="0" dirty="0">
                   <a:ln>
                     <a:noFill/>
                   </a:ln>
@@ -4944,7 +4627,7 @@
             </p:nvSpPr>
             <p:spPr bwMode="auto">
               <a:xfrm>
-                <a:off x="2592" y="3516"/>
+                <a:off x="1442" y="3564"/>
                 <a:ext cx="910" cy="329"/>
               </a:xfrm>
               <a:prstGeom prst="rect">
@@ -4999,7 +4682,7 @@
                   <a:tabLst/>
                 </a:pPr>
                 <a:r>
-                  <a:rPr kumimoji="0" lang="en-US" altLang="en-US" sz="1400" b="1" i="0" u="none" strike="noStrike" cap="none" normalizeH="0" baseline="0">
+                  <a:rPr kumimoji="0" lang="en-US" altLang="en-US" sz="1400" b="1" i="0" u="none" strike="noStrike" cap="none" normalizeH="0" baseline="0" dirty="0">
                     <a:ln>
                       <a:noFill/>
                     </a:ln>
@@ -5011,9 +4694,9 @@
                     <a:ea typeface="Times New Roman" panose="02020603050405020304" pitchFamily="18" charset="0"/>
                     <a:cs typeface="Arial" panose="020B0604020202020204" pitchFamily="34" charset="0"/>
                   </a:rPr>
-                  <a:t>Coordinate time across networked systems</a:t>
+                  <a:t>Enabling Scheduling API</a:t>
                 </a:r>
-                <a:endParaRPr kumimoji="0" lang="en-US" altLang="en-US" sz="2000" b="0" i="0" u="none" strike="noStrike" cap="none" normalizeH="0" baseline="0">
+                <a:endParaRPr kumimoji="0" lang="en-US" altLang="en-US" sz="2000" b="0" i="0" u="none" strike="noStrike" cap="none" normalizeH="0" baseline="0" dirty="0">
                   <a:ln>
                     <a:noFill/>
                   </a:ln>
@@ -5027,57 +4710,6 @@
             </p:txBody>
           </p:sp>
         </p:grpSp>
-        <p:sp>
-          <p:nvSpPr>
-            <p:cNvPr id="25" name="Line 21">
-              <a:extLst>
-                <a:ext uri="{FF2B5EF4-FFF2-40B4-BE49-F238E27FC236}">
-                  <a16:creationId xmlns:a16="http://schemas.microsoft.com/office/drawing/2014/main" id="{1902C09D-2EDF-4C9D-8159-8DEA9E7C8F74}"/>
-                </a:ext>
-              </a:extLst>
-            </p:cNvPr>
-            <p:cNvSpPr>
-              <a:spLocks noChangeShapeType="1"/>
-            </p:cNvSpPr>
-            <p:nvPr/>
-          </p:nvSpPr>
-          <p:spPr bwMode="auto">
-            <a:xfrm rot="16200000" flipV="1">
-              <a:off x="5553075" y="4333875"/>
-              <a:ext cx="0" cy="495300"/>
-            </a:xfrm>
-            <a:prstGeom prst="line">
-              <a:avLst/>
-            </a:prstGeom>
-            <a:noFill/>
-            <a:ln w="28575">
-              <a:solidFill>
-                <a:srgbClr val="000000"/>
-              </a:solidFill>
-              <a:round/>
-              <a:headEnd/>
-              <a:tailEnd type="triangle" w="med" len="med"/>
-            </a:ln>
-            <a:extLst>
-              <a:ext uri="{909E8E84-426E-40DD-AFC4-6F175D3DCCD1}">
-                <a14:hiddenFill xmlns:a14="http://schemas.microsoft.com/office/drawing/2010/main">
-                  <a:noFill/>
-                </a14:hiddenFill>
-              </a:ext>
-            </a:extLst>
-          </p:spPr>
-          <p:txBody>
-            <a:bodyPr vert="horz" wrap="square" lIns="91440" tIns="45720" rIns="91440" bIns="45720" numCol="1" anchor="t" anchorCtr="0" compatLnSpc="1">
-              <a:prstTxWarp prst="textNoShape">
-                <a:avLst/>
-              </a:prstTxWarp>
-            </a:bodyPr>
-            <a:lstStyle/>
-            <a:p>
-              <a:endParaRPr lang="en-US" sz="2000"/>
-            </a:p>
-          </p:txBody>
-        </p:sp>
         <p:sp>
           <p:nvSpPr>
             <p:cNvPr id="26" name="Rectangle 20">
@@ -5194,57 +4826,6 @@
             </a:p>
           </p:txBody>
         </p:sp>
-        <p:sp>
-          <p:nvSpPr>
-            <p:cNvPr id="28" name="Line 18">
-              <a:extLst>
-                <a:ext uri="{FF2B5EF4-FFF2-40B4-BE49-F238E27FC236}">
-                  <a16:creationId xmlns:a16="http://schemas.microsoft.com/office/drawing/2014/main" id="{AFF372E5-B1C4-420D-996F-9760B9B82091}"/>
-                </a:ext>
-              </a:extLst>
-            </p:cNvPr>
-            <p:cNvSpPr>
-              <a:spLocks noChangeShapeType="1"/>
-            </p:cNvSpPr>
-            <p:nvPr/>
-          </p:nvSpPr>
-          <p:spPr bwMode="auto">
-            <a:xfrm>
-              <a:off x="4048125" y="4048125"/>
-              <a:ext cx="0" cy="228600"/>
-            </a:xfrm>
-            <a:prstGeom prst="line">
-              <a:avLst/>
-            </a:prstGeom>
-            <a:noFill/>
-            <a:ln w="28575">
-              <a:solidFill>
-                <a:srgbClr val="000000"/>
-              </a:solidFill>
-              <a:round/>
-              <a:headEnd/>
-              <a:tailEnd type="triangle" w="med" len="med"/>
-            </a:ln>
-            <a:extLst>
-              <a:ext uri="{909E8E84-426E-40DD-AFC4-6F175D3DCCD1}">
-                <a14:hiddenFill xmlns:a14="http://schemas.microsoft.com/office/drawing/2010/main">
-                  <a:noFill/>
-                </a14:hiddenFill>
-              </a:ext>
-            </a:extLst>
-          </p:spPr>
-          <p:txBody>
-            <a:bodyPr vert="horz" wrap="square" lIns="91440" tIns="45720" rIns="91440" bIns="45720" numCol="1" anchor="t" anchorCtr="0" compatLnSpc="1">
-              <a:prstTxWarp prst="textNoShape">
-                <a:avLst/>
-              </a:prstTxWarp>
-            </a:bodyPr>
-            <a:lstStyle/>
-            <a:p>
-              <a:endParaRPr lang="en-US" sz="2000"/>
-            </a:p>
-          </p:txBody>
-        </p:sp>
         <p:grpSp>
           <p:nvGrpSpPr>
             <p:cNvPr id="29" name="Group 14">
@@ -5261,10 +4842,10 @@
           </p:nvGrpSpPr>
           <p:grpSpPr bwMode="auto">
             <a:xfrm>
-              <a:off x="2879725" y="2625725"/>
-              <a:ext cx="2438400" cy="1397000"/>
-              <a:chOff x="4176" y="1872"/>
-              <a:chExt cx="1440" cy="880"/>
+              <a:off x="5628005" y="444500"/>
+              <a:ext cx="2438400" cy="1927225"/>
+              <a:chOff x="5799" y="498"/>
+              <a:chExt cx="1440" cy="1214"/>
             </a:xfrm>
           </p:grpSpPr>
           <p:sp>
@@ -5283,8 +4864,8 @@
             </p:nvSpPr>
             <p:spPr bwMode="auto">
               <a:xfrm>
-                <a:off x="4176" y="1872"/>
-                <a:ext cx="1440" cy="880"/>
+                <a:off x="5799" y="498"/>
+                <a:ext cx="1440" cy="1214"/>
               </a:xfrm>
               <a:prstGeom prst="rect">
                 <a:avLst/>
@@ -5329,7 +4910,7 @@
             </p:nvSpPr>
             <p:spPr bwMode="auto">
               <a:xfrm>
-                <a:off x="4334" y="1920"/>
+                <a:off x="5957" y="546"/>
                 <a:ext cx="1142" cy="288"/>
               </a:xfrm>
               <a:prstGeom prst="rect">
@@ -5379,7 +4960,7 @@
                   <a:tabLst/>
                 </a:pPr>
                 <a:r>
-                  <a:rPr kumimoji="0" lang="en-US" altLang="en-US" b="1" i="1" u="none" strike="noStrike" cap="none" normalizeH="0" baseline="0">
+                  <a:rPr kumimoji="0" lang="en-US" altLang="en-US" b="1" i="1" u="none" strike="noStrike" cap="none" normalizeH="0" baseline="0" dirty="0">
                     <a:ln>
                       <a:noFill/>
                     </a:ln>
@@ -5391,9 +4972,9 @@
                     <a:ea typeface="Times New Roman" panose="02020603050405020304" pitchFamily="18" charset="0"/>
                     <a:cs typeface="Arial" panose="020B0604020202020204" pitchFamily="34" charset="0"/>
                   </a:rPr>
-                  <a:t>Audit Trail &amp; Node Authentication</a:t>
+                  <a:t>Core Security</a:t>
                 </a:r>
-                <a:endParaRPr kumimoji="0" lang="en-US" altLang="en-US" sz="2000" b="0" i="0" u="none" strike="noStrike" cap="none" normalizeH="0" baseline="0">
+                <a:endParaRPr kumimoji="0" lang="en-US" altLang="en-US" sz="2000" b="0" i="0" u="none" strike="noStrike" cap="none" normalizeH="0" baseline="0" dirty="0">
                   <a:ln>
                     <a:noFill/>
                   </a:ln>
@@ -5422,7 +5003,7 @@
             </p:nvSpPr>
             <p:spPr bwMode="auto">
               <a:xfrm>
-                <a:off x="4192" y="2256"/>
+                <a:off x="5815" y="882"/>
                 <a:ext cx="1395" cy="480"/>
               </a:xfrm>
               <a:prstGeom prst="rect">
@@ -5472,7 +5053,7 @@
                   <a:tabLst/>
                 </a:pPr>
                 <a:r>
-                  <a:rPr kumimoji="0" lang="en-US" altLang="en-US" sz="1400" b="1" i="0" u="none" strike="noStrike" cap="none" normalizeH="0" baseline="0">
+                  <a:rPr kumimoji="0" lang="en-US" altLang="en-US" sz="1400" b="1" i="0" u="none" strike="noStrike" cap="none" normalizeH="0" baseline="0" dirty="0">
                     <a:ln>
                       <a:noFill/>
                     </a:ln>
@@ -5484,9 +5065,65 @@
                     <a:ea typeface="Times New Roman" panose="02020603050405020304" pitchFamily="18" charset="0"/>
                     <a:cs typeface="Arial" panose="020B0604020202020204" pitchFamily="34" charset="0"/>
                   </a:rPr>
-                  <a:t>Centralized privacy audit trail and node to node authentication to create a secured domain.</a:t>
+                  <a:t>Protection of confidentiality, integrity, and availability; including  audit trail, </a:t>
                 </a:r>
-                <a:endParaRPr kumimoji="0" lang="en-US" altLang="en-US" sz="2000" b="0" i="0" u="none" strike="noStrike" cap="none" normalizeH="0" baseline="0">
+                <a:r>
+                  <a:rPr lang="en-US" altLang="en-US" sz="1400" b="1" dirty="0">
+                    <a:solidFill>
+                      <a:srgbClr val="000080"/>
+                    </a:solidFill>
+                    <a:latin typeface="Arial" panose="020B0604020202020204" pitchFamily="34" charset="0"/>
+                    <a:ea typeface="Times New Roman" panose="02020603050405020304" pitchFamily="18" charset="0"/>
+                    <a:cs typeface="Arial" panose="020B0604020202020204" pitchFamily="34" charset="0"/>
+                  </a:rPr>
+                  <a:t>encryption, and signatures.</a:t>
+                </a:r>
+                <a:endParaRPr kumimoji="0" lang="en-US" altLang="en-US" sz="1400" b="1" i="0" u="none" strike="noStrike" cap="none" normalizeH="0" baseline="0" dirty="0">
+                  <a:ln>
+                    <a:noFill/>
+                  </a:ln>
+                  <a:solidFill>
+                    <a:srgbClr val="000080"/>
+                  </a:solidFill>
+                  <a:effectLst/>
+                  <a:latin typeface="Arial" panose="020B0604020202020204" pitchFamily="34" charset="0"/>
+                  <a:ea typeface="Times New Roman" panose="02020603050405020304" pitchFamily="18" charset="0"/>
+                  <a:cs typeface="Arial" panose="020B0604020202020204" pitchFamily="34" charset="0"/>
+                </a:endParaRPr>
+              </a:p>
+              <a:p>
+                <a:pPr marL="0" marR="0" lvl="0" indent="0" algn="ctr" defTabSz="914400" rtl="0" eaLnBrk="0" fontAlgn="base" latinLnBrk="0" hangingPunct="0">
+                  <a:lnSpc>
+                    <a:spcPct val="100000"/>
+                  </a:lnSpc>
+                  <a:spcBef>
+                    <a:spcPct val="0"/>
+                  </a:spcBef>
+                  <a:spcAft>
+                    <a:spcPct val="0"/>
+                  </a:spcAft>
+                  <a:buClrTx/>
+                  <a:buSzTx/>
+                  <a:buFontTx/>
+                  <a:buNone/>
+                  <a:tabLst/>
+                </a:pPr>
+                <a:r>
+                  <a:rPr kumimoji="0" lang="en-US" altLang="en-US" sz="1400" b="1" i="0" u="none" strike="noStrike" cap="none" normalizeH="0" baseline="0" dirty="0">
+                    <a:ln>
+                      <a:noFill/>
+                    </a:ln>
+                    <a:solidFill>
+                      <a:srgbClr val="000080"/>
+                    </a:solidFill>
+                    <a:effectLst/>
+                    <a:latin typeface="Arial" panose="020B0604020202020204" pitchFamily="34" charset="0"/>
+                    <a:ea typeface="Times New Roman" panose="02020603050405020304" pitchFamily="18" charset="0"/>
+                    <a:cs typeface="Arial" panose="020B0604020202020204" pitchFamily="34" charset="0"/>
+                  </a:rPr>
+                  <a:t>(ATNA, BALP, CT, DSG, DEN)</a:t>
+                </a:r>
+                <a:endParaRPr kumimoji="0" lang="en-US" altLang="en-US" sz="2000" b="0" i="0" u="none" strike="noStrike" cap="none" normalizeH="0" baseline="0" dirty="0">
                   <a:ln>
                     <a:noFill/>
                   </a:ln>
@@ -5500,201 +5137,6 @@
             </p:txBody>
           </p:sp>
         </p:grpSp>
-        <p:sp>
-          <p:nvSpPr>
-            <p:cNvPr id="33" name="Rectangle 13">
-              <a:extLst>
-                <a:ext uri="{FF2B5EF4-FFF2-40B4-BE49-F238E27FC236}">
-                  <a16:creationId xmlns:a16="http://schemas.microsoft.com/office/drawing/2014/main" id="{825D6464-0BDA-4239-A87C-1AE5F8D7A3AF}"/>
-                </a:ext>
-              </a:extLst>
-            </p:cNvPr>
-            <p:cNvSpPr>
-              <a:spLocks noChangeArrowheads="1"/>
-            </p:cNvSpPr>
-            <p:nvPr/>
-          </p:nvSpPr>
-          <p:spPr bwMode="auto">
-            <a:xfrm>
-              <a:off x="5816600" y="1457325"/>
-              <a:ext cx="2384425" cy="609600"/>
-            </a:xfrm>
-            <a:prstGeom prst="rect">
-              <a:avLst/>
-            </a:prstGeom>
-            <a:solidFill>
-              <a:srgbClr val="FF6699"/>
-            </a:solidFill>
-            <a:ln w="31115">
-              <a:solidFill>
-                <a:srgbClr val="FF0000"/>
-              </a:solidFill>
-              <a:miter lim="800000"/>
-              <a:headEnd/>
-              <a:tailEnd/>
-            </a:ln>
-          </p:spPr>
-          <p:txBody>
-            <a:bodyPr vert="horz" wrap="square" lIns="91440" tIns="45720" rIns="91440" bIns="45720" numCol="1" anchor="t" anchorCtr="0" compatLnSpc="1">
-              <a:prstTxWarp prst="textNoShape">
-                <a:avLst/>
-              </a:prstTxWarp>
-            </a:bodyPr>
-            <a:lstStyle/>
-            <a:p>
-              <a:endParaRPr lang="en-US" sz="2000"/>
-            </a:p>
-          </p:txBody>
-        </p:sp>
-        <p:sp>
-          <p:nvSpPr>
-            <p:cNvPr id="34" name="Rectangle 12">
-              <a:extLst>
-                <a:ext uri="{FF2B5EF4-FFF2-40B4-BE49-F238E27FC236}">
-                  <a16:creationId xmlns:a16="http://schemas.microsoft.com/office/drawing/2014/main" id="{6C96DC0E-4878-4DBA-BB4B-FC8FCF4E2D20}"/>
-                </a:ext>
-              </a:extLst>
-            </p:cNvPr>
-            <p:cNvSpPr>
-              <a:spLocks noChangeArrowheads="1"/>
-            </p:cNvSpPr>
-            <p:nvPr/>
-          </p:nvSpPr>
-          <p:spPr bwMode="auto">
-            <a:xfrm>
-              <a:off x="5876925" y="1533525"/>
-              <a:ext cx="2286000" cy="457200"/>
-            </a:xfrm>
-            <a:prstGeom prst="rect">
-              <a:avLst/>
-            </a:prstGeom>
-            <a:noFill/>
-            <a:ln>
-              <a:noFill/>
-            </a:ln>
-            <a:extLst>
-              <a:ext uri="{909E8E84-426E-40DD-AFC4-6F175D3DCCD1}">
-                <a14:hiddenFill xmlns:a14="http://schemas.microsoft.com/office/drawing/2010/main">
-                  <a:solidFill>
-                    <a:srgbClr val="FFFFFF"/>
-                  </a:solidFill>
-                </a14:hiddenFill>
-              </a:ext>
-              <a:ext uri="{91240B29-F687-4F45-9708-019B960494DF}">
-                <a14:hiddenLine xmlns:a14="http://schemas.microsoft.com/office/drawing/2010/main" w="9525">
-                  <a:solidFill>
-                    <a:srgbClr val="000000"/>
-                  </a:solidFill>
-                  <a:miter lim="800000"/>
-                  <a:headEnd/>
-                  <a:tailEnd/>
-                </a14:hiddenLine>
-              </a:ext>
-            </a:extLst>
-          </p:spPr>
-          <p:txBody>
-            <a:bodyPr vert="horz" wrap="square" lIns="0" tIns="0" rIns="0" bIns="0" numCol="1" anchor="t" anchorCtr="0" compatLnSpc="1">
-              <a:prstTxWarp prst="textNoShape">
-                <a:avLst/>
-              </a:prstTxWarp>
-            </a:bodyPr>
-            <a:lstStyle/>
-            <a:p>
-              <a:pPr marL="0" marR="0" lvl="0" indent="0" algn="ctr" defTabSz="914400" rtl="0" eaLnBrk="0" fontAlgn="base" latinLnBrk="0" hangingPunct="0">
-                <a:lnSpc>
-                  <a:spcPct val="100000"/>
-                </a:lnSpc>
-                <a:spcBef>
-                  <a:spcPct val="0"/>
-                </a:spcBef>
-                <a:spcAft>
-                  <a:spcPct val="0"/>
-                </a:spcAft>
-                <a:buClrTx/>
-                <a:buSzTx/>
-                <a:buFontTx/>
-                <a:buNone/>
-                <a:tabLst/>
-              </a:pPr>
-              <a:r>
-                <a:rPr kumimoji="0" lang="en-US" altLang="en-US" b="1" i="1" u="none" strike="noStrike" cap="none" normalizeH="0" baseline="0">
-                  <a:ln>
-                    <a:noFill/>
-                  </a:ln>
-                  <a:solidFill>
-                    <a:srgbClr val="000080"/>
-                  </a:solidFill>
-                  <a:effectLst/>
-                  <a:latin typeface="Arial" panose="020B0604020202020204" pitchFamily="34" charset="0"/>
-                  <a:ea typeface="Times New Roman" panose="02020603050405020304" pitchFamily="18" charset="0"/>
-                  <a:cs typeface="Arial" panose="020B0604020202020204" pitchFamily="34" charset="0"/>
-                </a:rPr>
-                <a:t>Patient Demographics Query</a:t>
-              </a:r>
-              <a:endParaRPr kumimoji="0" lang="en-US" altLang="en-US" sz="2000" b="0" i="0" u="none" strike="noStrike" cap="none" normalizeH="0" baseline="0">
-                <a:ln>
-                  <a:noFill/>
-                </a:ln>
-                <a:solidFill>
-                  <a:schemeClr val="tx1"/>
-                </a:solidFill>
-                <a:effectLst/>
-                <a:latin typeface="Arial" panose="020B0604020202020204" pitchFamily="34" charset="0"/>
-              </a:endParaRPr>
-            </a:p>
-          </p:txBody>
-        </p:sp>
-        <p:sp>
-          <p:nvSpPr>
-            <p:cNvPr id="35" name="Line 11">
-              <a:extLst>
-                <a:ext uri="{FF2B5EF4-FFF2-40B4-BE49-F238E27FC236}">
-                  <a16:creationId xmlns:a16="http://schemas.microsoft.com/office/drawing/2014/main" id="{3982F627-4C52-4541-8ACE-58E4A29DE8E2}"/>
-                </a:ext>
-              </a:extLst>
-            </p:cNvPr>
-            <p:cNvSpPr>
-              <a:spLocks noChangeShapeType="1"/>
-            </p:cNvSpPr>
-            <p:nvPr/>
-          </p:nvSpPr>
-          <p:spPr bwMode="auto">
-            <a:xfrm rot="16200000">
-              <a:off x="2638425" y="2511425"/>
-              <a:ext cx="0" cy="381000"/>
-            </a:xfrm>
-            <a:prstGeom prst="line">
-              <a:avLst/>
-            </a:prstGeom>
-            <a:noFill/>
-            <a:ln w="28575">
-              <a:solidFill>
-                <a:srgbClr val="000000"/>
-              </a:solidFill>
-              <a:round/>
-              <a:headEnd/>
-              <a:tailEnd type="triangle" w="med" len="med"/>
-            </a:ln>
-            <a:extLst>
-              <a:ext uri="{909E8E84-426E-40DD-AFC4-6F175D3DCCD1}">
-                <a14:hiddenFill xmlns:a14="http://schemas.microsoft.com/office/drawing/2010/main">
-                  <a:noFill/>
-                </a14:hiddenFill>
-              </a:ext>
-            </a:extLst>
-          </p:spPr>
-          <p:txBody>
-            <a:bodyPr vert="horz" wrap="square" lIns="91440" tIns="45720" rIns="91440" bIns="45720" numCol="1" anchor="t" anchorCtr="0" compatLnSpc="1">
-              <a:prstTxWarp prst="textNoShape">
-                <a:avLst/>
-              </a:prstTxWarp>
-            </a:bodyPr>
-            <a:lstStyle/>
-            <a:p>
-              <a:endParaRPr lang="en-US" sz="2000"/>
-            </a:p>
-          </p:txBody>
-        </p:sp>
         <p:grpSp>
           <p:nvGrpSpPr>
             <p:cNvPr id="36" name="Group 7">
@@ -5711,10 +5153,10 @@
           </p:nvGrpSpPr>
           <p:grpSpPr bwMode="auto">
             <a:xfrm>
-              <a:off x="9525" y="466725"/>
-              <a:ext cx="2438400" cy="2362200"/>
-              <a:chOff x="288" y="960"/>
-              <a:chExt cx="1536" cy="1488"/>
+              <a:off x="55563" y="438150"/>
+              <a:ext cx="2438400" cy="1960563"/>
+              <a:chOff x="317" y="942"/>
+              <a:chExt cx="1536" cy="1235"/>
             </a:xfrm>
           </p:grpSpPr>
           <p:sp>
@@ -5733,8 +5175,8 @@
             </p:nvSpPr>
             <p:spPr bwMode="auto">
               <a:xfrm>
-                <a:off x="288" y="960"/>
-                <a:ext cx="1536" cy="1488"/>
+                <a:off x="317" y="942"/>
+                <a:ext cx="1536" cy="1235"/>
               </a:xfrm>
               <a:prstGeom prst="rect">
                 <a:avLst/>
@@ -5779,7 +5221,7 @@
             </p:nvSpPr>
             <p:spPr bwMode="auto">
               <a:xfrm>
-                <a:off x="325" y="1104"/>
+                <a:off x="354" y="1017"/>
                 <a:ext cx="1443" cy="364"/>
               </a:xfrm>
               <a:prstGeom prst="rect">
@@ -5834,7 +5276,7 @@
                   <a:tabLst/>
                 </a:pPr>
                 <a:r>
-                  <a:rPr kumimoji="0" lang="en-US" altLang="en-US" b="1" i="1" u="none" strike="noStrike" cap="none" normalizeH="0" baseline="0">
+                  <a:rPr kumimoji="0" lang="en-US" altLang="en-US" b="1" i="1" u="none" strike="noStrike" cap="none" normalizeH="0" baseline="0" dirty="0">
                     <a:ln>
                       <a:noFill/>
                     </a:ln>
@@ -5846,9 +5288,9 @@
                     <a:ea typeface="Times New Roman" panose="02020603050405020304" pitchFamily="18" charset="0"/>
                     <a:cs typeface="Arial" panose="020B0604020202020204" pitchFamily="34" charset="0"/>
                   </a:rPr>
-                  <a:t>Cross-Enterprise Document Sharing</a:t>
+                  <a:t>Document Sharing</a:t>
                 </a:r>
-                <a:endParaRPr kumimoji="0" lang="en-US" altLang="en-US" sz="2000" b="0" i="0" u="none" strike="noStrike" cap="none" normalizeH="0" baseline="0">
+                <a:endParaRPr kumimoji="0" lang="en-US" altLang="en-US" sz="2000" b="0" i="0" u="none" strike="noStrike" cap="none" normalizeH="0" baseline="0" dirty="0">
                   <a:ln>
                     <a:noFill/>
                   </a:ln>
@@ -5877,7 +5319,7 @@
             </p:nvSpPr>
             <p:spPr bwMode="auto">
               <a:xfrm>
-                <a:off x="384" y="1610"/>
+                <a:off x="402" y="1266"/>
                 <a:ext cx="1344" cy="785"/>
               </a:xfrm>
               <a:prstGeom prst="rect">
@@ -5932,7 +5374,7 @@
                   <a:tabLst/>
                 </a:pPr>
                 <a:r>
-                  <a:rPr kumimoji="0" lang="en-US" altLang="en-US" sz="1400" b="1" i="0" u="none" strike="noStrike" cap="none" normalizeH="0" baseline="0">
+                  <a:rPr kumimoji="0" lang="en-US" altLang="en-US" sz="1400" b="1" i="0" u="none" strike="noStrike" cap="none" normalizeH="0" baseline="0" dirty="0">
                     <a:ln>
                       <a:noFill/>
                     </a:ln>
@@ -5946,7 +5388,129 @@
                   </a:rPr>
                   <a:t>Registration, distribution and access across health enterprises of clinical documents forming a patient electronic health record </a:t>
                 </a:r>
-                <a:endParaRPr kumimoji="0" lang="en-US" altLang="en-US" sz="2000" b="0" i="0" u="none" strike="noStrike" cap="none" normalizeH="0" baseline="0">
+                <a:br>
+                  <a:rPr kumimoji="0" lang="en-US" altLang="en-US" sz="1400" b="1" i="0" u="none" strike="noStrike" cap="none" normalizeH="0" baseline="0" dirty="0">
+                    <a:ln>
+                      <a:noFill/>
+                    </a:ln>
+                    <a:solidFill>
+                      <a:srgbClr val="003399"/>
+                    </a:solidFill>
+                    <a:effectLst/>
+                    <a:latin typeface="Arial" panose="020B0604020202020204" pitchFamily="34" charset="0"/>
+                    <a:ea typeface="Times New Roman" panose="02020603050405020304" pitchFamily="18" charset="0"/>
+                    <a:cs typeface="Arial" panose="020B0604020202020204" pitchFamily="34" charset="0"/>
+                  </a:rPr>
+                </a:br>
+                <a:r>
+                  <a:rPr kumimoji="0" lang="en-US" altLang="en-US" sz="1400" b="1" i="0" u="none" strike="noStrike" cap="none" normalizeH="0" baseline="0" dirty="0">
+                    <a:ln>
+                      <a:noFill/>
+                    </a:ln>
+                    <a:solidFill>
+                      <a:srgbClr val="003399"/>
+                    </a:solidFill>
+                    <a:effectLst/>
+                    <a:latin typeface="Arial" panose="020B0604020202020204" pitchFamily="34" charset="0"/>
+                    <a:ea typeface="Times New Roman" panose="02020603050405020304" pitchFamily="18" charset="0"/>
+                    <a:cs typeface="Arial" panose="020B0604020202020204" pitchFamily="34" charset="0"/>
+                  </a:rPr>
+                  <a:t> </a:t>
+                </a:r>
+              </a:p>
+              <a:p>
+                <a:pPr marL="0" marR="0" lvl="0" indent="0" algn="ctr" defTabSz="914400" rtl="0" eaLnBrk="0" fontAlgn="base" latinLnBrk="0" hangingPunct="0">
+                  <a:lnSpc>
+                    <a:spcPct val="100000"/>
+                  </a:lnSpc>
+                  <a:spcBef>
+                    <a:spcPct val="0"/>
+                  </a:spcBef>
+                  <a:spcAft>
+                    <a:spcPct val="0"/>
+                  </a:spcAft>
+                  <a:buClrTx/>
+                  <a:buSzTx/>
+                  <a:buFontTx/>
+                  <a:buNone/>
+                  <a:tabLst/>
+                </a:pPr>
+                <a:r>
+                  <a:rPr kumimoji="0" lang="en-US" altLang="en-US" sz="1400" b="1" i="0" u="none" strike="noStrike" cap="none" normalizeH="0" baseline="0" dirty="0">
+                    <a:ln>
+                      <a:noFill/>
+                    </a:ln>
+                    <a:solidFill>
+                      <a:srgbClr val="003399"/>
+                    </a:solidFill>
+                    <a:effectLst/>
+                    <a:latin typeface="Arial" panose="020B0604020202020204" pitchFamily="34" charset="0"/>
+                    <a:ea typeface="Times New Roman" panose="02020603050405020304" pitchFamily="18" charset="0"/>
+                    <a:cs typeface="Arial" panose="020B0604020202020204" pitchFamily="34" charset="0"/>
+                  </a:rPr>
+                  <a:t>(XDS, XDR, XCA, XDM, MHD, MHDS, MPQ, DSUB, </a:t>
+                </a:r>
+                <a:r>
+                  <a:rPr kumimoji="0" lang="en-US" altLang="en-US" sz="1400" b="1" i="0" u="none" strike="noStrike" cap="none" normalizeH="0" baseline="0" dirty="0" err="1">
+                    <a:ln>
+                      <a:noFill/>
+                    </a:ln>
+                    <a:solidFill>
+                      <a:srgbClr val="003399"/>
+                    </a:solidFill>
+                    <a:effectLst/>
+                    <a:latin typeface="Arial" panose="020B0604020202020204" pitchFamily="34" charset="0"/>
+                    <a:ea typeface="Times New Roman" panose="02020603050405020304" pitchFamily="18" charset="0"/>
+                    <a:cs typeface="Arial" panose="020B0604020202020204" pitchFamily="34" charset="0"/>
+                  </a:rPr>
+                  <a:t>DSUBm</a:t>
+                </a:r>
+                <a:r>
+                  <a:rPr kumimoji="0" lang="en-US" altLang="en-US" sz="1400" b="1" i="0" u="none" strike="noStrike" cap="none" normalizeH="0" baseline="0" dirty="0">
+                    <a:ln>
+                      <a:noFill/>
+                    </a:ln>
+                    <a:solidFill>
+                      <a:srgbClr val="003399"/>
+                    </a:solidFill>
+                    <a:effectLst/>
+                    <a:latin typeface="Arial" panose="020B0604020202020204" pitchFamily="34" charset="0"/>
+                    <a:ea typeface="Times New Roman" panose="02020603050405020304" pitchFamily="18" charset="0"/>
+                    <a:cs typeface="Arial" panose="020B0604020202020204" pitchFamily="34" charset="0"/>
+                  </a:rPr>
+                  <a:t>, RMU, XDS-SD, XDW, </a:t>
+                </a:r>
+                <a:r>
+                  <a:rPr kumimoji="0" lang="en-US" altLang="en-US" sz="1400" b="1" i="0" u="none" strike="noStrike" cap="none" normalizeH="0" baseline="0" dirty="0" err="1">
+                    <a:ln>
+                      <a:noFill/>
+                    </a:ln>
+                    <a:solidFill>
+                      <a:srgbClr val="003399"/>
+                    </a:solidFill>
+                    <a:effectLst/>
+                    <a:latin typeface="Arial" panose="020B0604020202020204" pitchFamily="34" charset="0"/>
+                    <a:ea typeface="Times New Roman" panose="02020603050405020304" pitchFamily="18" charset="0"/>
+                    <a:cs typeface="Arial" panose="020B0604020202020204" pitchFamily="34" charset="0"/>
+                  </a:rPr>
+                  <a:t>sIPS</a:t>
+                </a:r>
+                <a:r>
+                  <a:rPr kumimoji="0" lang="en-US" altLang="en-US" sz="1400" b="1" i="0" u="none" strike="noStrike" cap="none" normalizeH="0" baseline="0" dirty="0">
+                    <a:ln>
+                      <a:noFill/>
+                    </a:ln>
+                    <a:solidFill>
+                      <a:srgbClr val="003399"/>
+                    </a:solidFill>
+                    <a:effectLst/>
+                    <a:latin typeface="Arial" panose="020B0604020202020204" pitchFamily="34" charset="0"/>
+                    <a:ea typeface="Times New Roman" panose="02020603050405020304" pitchFamily="18" charset="0"/>
+                    <a:cs typeface="Arial" panose="020B0604020202020204" pitchFamily="34" charset="0"/>
+                  </a:rPr>
+                  <a:t>)</a:t>
+                </a:r>
+                <a:endParaRPr kumimoji="0" lang="en-US" altLang="en-US" sz="2000" b="0" i="0" u="none" strike="noStrike" cap="none" normalizeH="0" baseline="0" dirty="0">
                   <a:ln>
                     <a:noFill/>
                   </a:ln>
@@ -5976,7 +5540,7 @@
           </p:nvSpPr>
           <p:spPr bwMode="auto">
             <a:xfrm>
-              <a:off x="5800725" y="3590925"/>
+              <a:off x="5612721" y="3589138"/>
               <a:ext cx="2438400" cy="1358900"/>
             </a:xfrm>
             <a:prstGeom prst="rect">
@@ -6022,7 +5586,7 @@
           </p:nvSpPr>
           <p:spPr bwMode="auto">
             <a:xfrm>
-              <a:off x="5862638" y="3629025"/>
+              <a:off x="5674634" y="3627238"/>
               <a:ext cx="2324100" cy="533400"/>
             </a:xfrm>
             <a:prstGeom prst="rect">
@@ -6077,7 +5641,7 @@
                 <a:tabLst/>
               </a:pPr>
               <a:r>
-                <a:rPr kumimoji="0" lang="en-US" altLang="en-US" b="1" i="1" u="none" strike="noStrike" cap="none" normalizeH="0" baseline="0">
+                <a:rPr kumimoji="0" lang="en-US" altLang="en-US" b="1" i="1" u="none" strike="noStrike" cap="none" normalizeH="0" baseline="0" dirty="0">
                   <a:ln>
                     <a:noFill/>
                   </a:ln>
@@ -6089,9 +5653,9 @@
                   <a:ea typeface="Times New Roman" panose="02020603050405020304" pitchFamily="18" charset="0"/>
                   <a:cs typeface="Arial" panose="020B0604020202020204" pitchFamily="34" charset="0"/>
                 </a:rPr>
-                <a:t>Enterprise User Authentication</a:t>
+                <a:t>User Authentication / Authorization</a:t>
               </a:r>
-              <a:endParaRPr kumimoji="0" lang="en-US" altLang="en-US" sz="2000" b="0" i="0" u="none" strike="noStrike" cap="none" normalizeH="0" baseline="0">
+              <a:endParaRPr kumimoji="0" lang="en-US" altLang="en-US" sz="2000" b="0" i="0" u="none" strike="noStrike" cap="none" normalizeH="0" baseline="0" dirty="0">
                 <a:ln>
                   <a:noFill/>
                 </a:ln>
@@ -6120,7 +5684,7 @@
           </p:nvSpPr>
           <p:spPr bwMode="auto">
             <a:xfrm>
-              <a:off x="5876925" y="4175125"/>
+              <a:off x="5688921" y="4173338"/>
               <a:ext cx="2362200" cy="736600"/>
             </a:xfrm>
             <a:prstGeom prst="rect">
@@ -6216,7 +5780,7 @@
                   <a:ea typeface="Times New Roman" panose="02020603050405020304" pitchFamily="18" charset="0"/>
                   <a:cs typeface="Arial" panose="020B0604020202020204" pitchFamily="34" charset="0"/>
                 </a:rPr>
-                <a:t>and centralized authentication process</a:t>
+                <a:t>and centralized authentication</a:t>
               </a:r>
               <a:br>
                 <a:rPr kumimoji="0" lang="en-US" altLang="en-US" sz="1400" b="1" i="0" u="none" strike="noStrike" cap="none" normalizeH="0" baseline="0" dirty="0">
@@ -6245,7 +5809,70 @@
                   <a:ea typeface="Times New Roman" panose="02020603050405020304" pitchFamily="18" charset="0"/>
                   <a:cs typeface="Arial" panose="020B0604020202020204" pitchFamily="34" charset="0"/>
                 </a:rPr>
-                <a:t>across all systems</a:t>
+                <a:t>across all systems </a:t>
+              </a:r>
+            </a:p>
+            <a:p>
+              <a:pPr marL="0" marR="0" lvl="0" indent="0" algn="ctr" defTabSz="914400" rtl="0" eaLnBrk="0" fontAlgn="base" latinLnBrk="0" hangingPunct="0">
+                <a:lnSpc>
+                  <a:spcPct val="100000"/>
+                </a:lnSpc>
+                <a:spcBef>
+                  <a:spcPct val="0"/>
+                </a:spcBef>
+                <a:spcAft>
+                  <a:spcPct val="0"/>
+                </a:spcAft>
+                <a:buClrTx/>
+                <a:buSzTx/>
+                <a:buFontTx/>
+                <a:buNone/>
+                <a:tabLst/>
+              </a:pPr>
+              <a:r>
+                <a:rPr kumimoji="0" lang="en-US" altLang="en-US" sz="1400" b="1" i="0" u="none" strike="noStrike" cap="none" normalizeH="0" baseline="0" dirty="0">
+                  <a:ln>
+                    <a:noFill/>
+                  </a:ln>
+                  <a:solidFill>
+                    <a:srgbClr val="000080"/>
+                  </a:solidFill>
+                  <a:effectLst/>
+                  <a:latin typeface="Arial" panose="020B0604020202020204" pitchFamily="34" charset="0"/>
+                  <a:ea typeface="Times New Roman" panose="02020603050405020304" pitchFamily="18" charset="0"/>
+                  <a:cs typeface="Arial" panose="020B0604020202020204" pitchFamily="34" charset="0"/>
+                </a:rPr>
+                <a:t>(XUA, IUA, EUA, </a:t>
+              </a:r>
+              <a:r>
+                <a:rPr kumimoji="0" lang="en-US" altLang="en-US" sz="1400" b="1" i="0" u="none" strike="noStrike" cap="none" normalizeH="0" baseline="0" dirty="0" err="1">
+                  <a:ln>
+                    <a:noFill/>
+                  </a:ln>
+                  <a:solidFill>
+                    <a:srgbClr val="000080"/>
+                  </a:solidFill>
+                  <a:effectLst/>
+                  <a:latin typeface="Arial" panose="020B0604020202020204" pitchFamily="34" charset="0"/>
+                  <a:ea typeface="Times New Roman" panose="02020603050405020304" pitchFamily="18" charset="0"/>
+                  <a:cs typeface="Arial" panose="020B0604020202020204" pitchFamily="34" charset="0"/>
+                </a:rPr>
+                <a:t>SeR</a:t>
+              </a:r>
+              <a:r>
+                <a:rPr kumimoji="0" lang="en-US" altLang="en-US" sz="1400" b="1" i="0" u="none" strike="noStrike" cap="none" normalizeH="0" baseline="0" dirty="0">
+                  <a:ln>
+                    <a:noFill/>
+                  </a:ln>
+                  <a:solidFill>
+                    <a:srgbClr val="000080"/>
+                  </a:solidFill>
+                  <a:effectLst/>
+                  <a:latin typeface="Arial" panose="020B0604020202020204" pitchFamily="34" charset="0"/>
+                  <a:ea typeface="Times New Roman" panose="02020603050405020304" pitchFamily="18" charset="0"/>
+                  <a:cs typeface="Arial" panose="020B0604020202020204" pitchFamily="34" charset="0"/>
+                </a:rPr>
+                <a:t>)</a:t>
               </a:r>
               <a:endParaRPr kumimoji="0" lang="en-US" altLang="en-US" sz="2000" b="0" i="0" u="none" strike="noStrike" cap="none" normalizeH="0" baseline="0" dirty="0">
                 <a:ln>
@@ -6276,8 +5903,8 @@
           </p:nvSpPr>
           <p:spPr bwMode="auto">
             <a:xfrm>
-              <a:off x="5813425" y="466725"/>
-              <a:ext cx="2352675" cy="844550"/>
+              <a:off x="2894806" y="2542942"/>
+              <a:ext cx="2438399" cy="1078562"/>
             </a:xfrm>
             <a:prstGeom prst="rect">
               <a:avLst/>
@@ -6322,7 +5949,7 @@
           </p:nvSpPr>
           <p:spPr bwMode="auto">
             <a:xfrm>
-              <a:off x="5862638" y="554038"/>
+              <a:off x="2976563" y="2638065"/>
               <a:ext cx="2274887" cy="304800"/>
             </a:xfrm>
             <a:prstGeom prst="rect">
@@ -6372,7 +5999,7 @@
                 <a:tabLst/>
               </a:pPr>
               <a:r>
-                <a:rPr kumimoji="0" lang="en-US" altLang="en-US" b="1" i="1" u="none" strike="noStrike" cap="none" normalizeH="0" baseline="0">
+                <a:rPr kumimoji="0" lang="en-US" altLang="en-US" b="1" i="1" u="none" strike="noStrike" cap="none" normalizeH="0" baseline="0" dirty="0">
                   <a:ln>
                     <a:noFill/>
                   </a:ln>
@@ -6384,9 +6011,9 @@
                   <a:ea typeface="Times New Roman" panose="02020603050405020304" pitchFamily="18" charset="0"/>
                   <a:cs typeface="Arial" panose="020B0604020202020204" pitchFamily="34" charset="0"/>
                 </a:rPr>
-                <a:t>Personnel White Page</a:t>
+                <a:t>Provider Director</a:t>
               </a:r>
-              <a:endParaRPr kumimoji="0" lang="en-US" altLang="en-US" sz="2000" b="0" i="0" u="none" strike="noStrike" cap="none" normalizeH="0" baseline="0">
+              <a:endParaRPr kumimoji="0" lang="en-US" altLang="en-US" sz="2000" b="0" i="0" u="none" strike="noStrike" cap="none" normalizeH="0" baseline="0" dirty="0">
                 <a:ln>
                   <a:noFill/>
                 </a:ln>
@@ -6415,8 +6042,8 @@
           </p:nvSpPr>
           <p:spPr bwMode="auto">
             <a:xfrm>
-              <a:off x="5876925" y="827088"/>
-              <a:ext cx="2244725" cy="484187"/>
+              <a:off x="2963083" y="3020163"/>
+              <a:ext cx="2288366" cy="484187"/>
             </a:xfrm>
             <a:prstGeom prst="rect">
               <a:avLst/>
@@ -6475,7 +6102,7 @@
                 <a:tabLst/>
               </a:pPr>
               <a:r>
-                <a:rPr kumimoji="0" lang="en-US" altLang="en-US" sz="1400" b="1" i="0" u="none" strike="noStrike" cap="none" normalizeH="0" baseline="0">
+                <a:rPr kumimoji="0" lang="en-US" altLang="en-US" sz="1400" b="1" i="0" u="none" strike="noStrike" cap="none" normalizeH="0" baseline="0" dirty="0">
                   <a:ln>
                     <a:noFill/>
                   </a:ln>
@@ -6487,10 +6114,10 @@
                   <a:ea typeface="Times New Roman" panose="02020603050405020304" pitchFamily="18" charset="0"/>
                   <a:cs typeface="Arial" panose="020B0604020202020204" pitchFamily="34" charset="0"/>
                 </a:rPr>
-                <a:t>Access to workforce</a:t>
+                <a:t>Access to directories</a:t>
               </a:r>
               <a:br>
-                <a:rPr kumimoji="0" lang="en-US" altLang="en-US" sz="1400" b="1" i="0" u="none" strike="noStrike" cap="none" normalizeH="0" baseline="0">
+                <a:rPr kumimoji="0" lang="en-US" altLang="en-US" sz="1400" b="1" i="0" u="none" strike="noStrike" cap="none" normalizeH="0" baseline="0" dirty="0">
                   <a:ln>
                     <a:noFill/>
                   </a:ln>
@@ -6504,7 +6131,7 @@
                 </a:rPr>
               </a:br>
               <a:r>
-                <a:rPr kumimoji="0" lang="en-US" altLang="en-US" sz="1400" b="1" i="0" u="none" strike="noStrike" cap="none" normalizeH="0" baseline="0">
+                <a:rPr kumimoji="0" lang="en-US" altLang="en-US" sz="1400" b="1" i="0" u="none" strike="noStrike" cap="none" normalizeH="0" baseline="0" dirty="0">
                   <a:ln>
                     <a:noFill/>
                   </a:ln>
@@ -6516,9 +6143,42 @@
                   <a:ea typeface="Times New Roman" panose="02020603050405020304" pitchFamily="18" charset="0"/>
                   <a:cs typeface="Arial" panose="020B0604020202020204" pitchFamily="34" charset="0"/>
                 </a:rPr>
-                <a:t>contact information</a:t>
+                <a:t>contact information </a:t>
               </a:r>
-              <a:endParaRPr kumimoji="0" lang="en-US" altLang="en-US" sz="2000" b="0" i="0" u="none" strike="noStrike" cap="none" normalizeH="0" baseline="0">
+            </a:p>
+            <a:p>
+              <a:pPr marL="0" marR="0" lvl="0" indent="0" algn="ctr" defTabSz="914400" rtl="0" eaLnBrk="0" fontAlgn="base" latinLnBrk="0" hangingPunct="0">
+                <a:lnSpc>
+                  <a:spcPct val="100000"/>
+                </a:lnSpc>
+                <a:spcBef>
+                  <a:spcPct val="0"/>
+                </a:spcBef>
+                <a:spcAft>
+                  <a:spcPct val="0"/>
+                </a:spcAft>
+                <a:buClrTx/>
+                <a:buSzTx/>
+                <a:buFontTx/>
+                <a:buNone/>
+                <a:tabLst/>
+              </a:pPr>
+              <a:r>
+                <a:rPr kumimoji="0" lang="en-US" altLang="en-US" sz="1400" b="1" i="0" u="none" strike="noStrike" cap="none" normalizeH="0" baseline="0" dirty="0">
+                  <a:ln>
+                    <a:noFill/>
+                  </a:ln>
+                  <a:solidFill>
+                    <a:srgbClr val="000080"/>
+                  </a:solidFill>
+                  <a:effectLst/>
+                  <a:latin typeface="Arial" panose="020B0604020202020204" pitchFamily="34" charset="0"/>
+                  <a:ea typeface="Times New Roman" panose="02020603050405020304" pitchFamily="18" charset="0"/>
+                  <a:cs typeface="Arial" panose="020B0604020202020204" pitchFamily="34" charset="0"/>
+                </a:rPr>
+                <a:t>(HPD, PWP, CSD, mCSD)</a:t>
+              </a:r>
+              <a:endParaRPr kumimoji="0" lang="en-US" altLang="en-US" sz="2000" b="0" i="0" u="none" strike="noStrike" cap="none" normalizeH="0" baseline="0" dirty="0">
                 <a:ln>
                   <a:noFill/>
                 </a:ln>
@@ -6598,6 +6258,501 @@
           <a:lstStyle/>
           <a:p>
             <a:endParaRPr lang="en-US"/>
+          </a:p>
+        </p:txBody>
+      </p:sp>
+      <p:sp>
+        <p:nvSpPr>
+          <p:cNvPr id="2" name="Rectangle 17">
+            <a:extLst>
+              <a:ext uri="{FF2B5EF4-FFF2-40B4-BE49-F238E27FC236}">
+                <a16:creationId xmlns:a16="http://schemas.microsoft.com/office/drawing/2014/main" id="{A87DD86D-50B9-F124-67AF-05D18B724741}"/>
+              </a:ext>
+            </a:extLst>
+          </p:cNvPr>
+          <p:cNvSpPr>
+            <a:spLocks noChangeArrowheads="1"/>
+          </p:cNvSpPr>
+          <p:nvPr/>
+        </p:nvSpPr>
+        <p:spPr bwMode="auto">
+          <a:xfrm>
+            <a:off x="7936653" y="3201610"/>
+            <a:ext cx="3246146" cy="1214687"/>
+          </a:xfrm>
+          <a:prstGeom prst="rect">
+            <a:avLst/>
+          </a:prstGeom>
+          <a:solidFill>
+            <a:schemeClr val="accent4">
+              <a:lumMod val="40000"/>
+              <a:lumOff val="60000"/>
+            </a:schemeClr>
+          </a:solidFill>
+          <a:ln w="31115">
+            <a:solidFill>
+              <a:srgbClr val="FF0000"/>
+            </a:solidFill>
+            <a:miter lim="800000"/>
+            <a:headEnd/>
+            <a:tailEnd/>
+          </a:ln>
+        </p:spPr>
+        <p:txBody>
+          <a:bodyPr vert="horz" wrap="square" lIns="91440" tIns="45720" rIns="91440" bIns="45720" numCol="1" anchor="t" anchorCtr="0" compatLnSpc="1">
+            <a:prstTxWarp prst="textNoShape">
+              <a:avLst/>
+            </a:prstTxWarp>
+          </a:bodyPr>
+          <a:lstStyle/>
+          <a:p>
+            <a:endParaRPr lang="en-US" sz="2000"/>
+          </a:p>
+        </p:txBody>
+      </p:sp>
+      <p:sp>
+        <p:nvSpPr>
+          <p:cNvPr id="3" name="Rectangle 16">
+            <a:extLst>
+              <a:ext uri="{FF2B5EF4-FFF2-40B4-BE49-F238E27FC236}">
+                <a16:creationId xmlns:a16="http://schemas.microsoft.com/office/drawing/2014/main" id="{AF434B80-9CF0-6B73-E2E9-52A415E99ADB}"/>
+              </a:ext>
+            </a:extLst>
+          </p:cNvPr>
+          <p:cNvSpPr>
+            <a:spLocks noChangeArrowheads="1"/>
+          </p:cNvSpPr>
+          <p:nvPr/>
+        </p:nvSpPr>
+        <p:spPr bwMode="auto">
+          <a:xfrm>
+            <a:off x="8093888" y="3248470"/>
+            <a:ext cx="2558339" cy="604861"/>
+          </a:xfrm>
+          <a:prstGeom prst="rect">
+            <a:avLst/>
+          </a:prstGeom>
+          <a:solidFill>
+            <a:schemeClr val="accent4">
+              <a:lumMod val="40000"/>
+              <a:lumOff val="60000"/>
+            </a:schemeClr>
+          </a:solidFill>
+          <a:ln>
+            <a:noFill/>
+          </a:ln>
+        </p:spPr>
+        <p:txBody>
+          <a:bodyPr vert="horz" wrap="square" lIns="0" tIns="0" rIns="0" bIns="0" numCol="1" anchor="t" anchorCtr="0" compatLnSpc="1">
+            <a:prstTxWarp prst="textNoShape">
+              <a:avLst/>
+            </a:prstTxWarp>
+          </a:bodyPr>
+          <a:lstStyle/>
+          <a:p>
+            <a:pPr marL="0" marR="0" lvl="0" indent="0" algn="ctr" defTabSz="914400" rtl="0" eaLnBrk="0" fontAlgn="base" latinLnBrk="0" hangingPunct="0">
+              <a:lnSpc>
+                <a:spcPct val="100000"/>
+              </a:lnSpc>
+              <a:spcBef>
+                <a:spcPct val="0"/>
+              </a:spcBef>
+              <a:spcAft>
+                <a:spcPct val="0"/>
+              </a:spcAft>
+              <a:buClrTx/>
+              <a:buSzTx/>
+              <a:buFontTx/>
+              <a:buNone/>
+              <a:tabLst/>
+            </a:pPr>
+            <a:r>
+              <a:rPr kumimoji="0" lang="en-US" altLang="en-US" b="1" i="1" u="none" strike="noStrike" cap="none" normalizeH="0" baseline="0" dirty="0">
+                <a:ln>
+                  <a:noFill/>
+                </a:ln>
+                <a:solidFill>
+                  <a:srgbClr val="000080"/>
+                </a:solidFill>
+                <a:effectLst/>
+                <a:latin typeface="Arial" panose="020B0604020202020204" pitchFamily="34" charset="0"/>
+                <a:ea typeface="Times New Roman" panose="02020603050405020304" pitchFamily="18" charset="0"/>
+                <a:cs typeface="Arial" panose="020B0604020202020204" pitchFamily="34" charset="0"/>
+              </a:rPr>
+              <a:t>Privacy Consent</a:t>
+            </a:r>
+            <a:endParaRPr kumimoji="0" lang="en-US" altLang="en-US" sz="2000" b="0" i="0" u="none" strike="noStrike" cap="none" normalizeH="0" baseline="0" dirty="0">
+              <a:ln>
+                <a:noFill/>
+              </a:ln>
+              <a:solidFill>
+                <a:schemeClr val="tx1"/>
+              </a:solidFill>
+              <a:effectLst/>
+              <a:latin typeface="Arial" panose="020B0604020202020204" pitchFamily="34" charset="0"/>
+            </a:endParaRPr>
+          </a:p>
+        </p:txBody>
+      </p:sp>
+      <p:sp>
+        <p:nvSpPr>
+          <p:cNvPr id="48" name="Rectangle 15">
+            <a:extLst>
+              <a:ext uri="{FF2B5EF4-FFF2-40B4-BE49-F238E27FC236}">
+                <a16:creationId xmlns:a16="http://schemas.microsoft.com/office/drawing/2014/main" id="{0F3A8DBA-CAA2-2D62-D2A9-4ABBBF317B5E}"/>
+              </a:ext>
+            </a:extLst>
+          </p:cNvPr>
+          <p:cNvSpPr>
+            <a:spLocks noChangeArrowheads="1"/>
+          </p:cNvSpPr>
+          <p:nvPr/>
+        </p:nvSpPr>
+        <p:spPr bwMode="auto">
+          <a:xfrm>
+            <a:off x="7980757" y="3632153"/>
+            <a:ext cx="3125116" cy="784144"/>
+          </a:xfrm>
+          <a:prstGeom prst="rect">
+            <a:avLst/>
+          </a:prstGeom>
+          <a:solidFill>
+            <a:schemeClr val="accent4">
+              <a:lumMod val="40000"/>
+              <a:lumOff val="60000"/>
+            </a:schemeClr>
+          </a:solidFill>
+          <a:ln>
+            <a:noFill/>
+          </a:ln>
+        </p:spPr>
+        <p:txBody>
+          <a:bodyPr vert="horz" wrap="square" lIns="0" tIns="0" rIns="0" bIns="0" numCol="1" anchor="t" anchorCtr="0" compatLnSpc="1">
+            <a:prstTxWarp prst="textNoShape">
+              <a:avLst/>
+            </a:prstTxWarp>
+          </a:bodyPr>
+          <a:lstStyle/>
+          <a:p>
+            <a:pPr marL="0" marR="0" lvl="0" indent="0" algn="ctr" defTabSz="914400" rtl="0" eaLnBrk="0" fontAlgn="base" latinLnBrk="0" hangingPunct="0">
+              <a:lnSpc>
+                <a:spcPct val="100000"/>
+              </a:lnSpc>
+              <a:spcBef>
+                <a:spcPct val="0"/>
+              </a:spcBef>
+              <a:spcAft>
+                <a:spcPct val="0"/>
+              </a:spcAft>
+              <a:buClrTx/>
+              <a:buSzTx/>
+              <a:buFontTx/>
+              <a:buNone/>
+              <a:tabLst/>
+            </a:pPr>
+            <a:r>
+              <a:rPr kumimoji="0" lang="en-US" altLang="en-US" sz="1400" b="1" i="0" u="none" strike="noStrike" cap="none" normalizeH="0" baseline="0" dirty="0">
+                <a:ln>
+                  <a:noFill/>
+                </a:ln>
+                <a:solidFill>
+                  <a:srgbClr val="000080"/>
+                </a:solidFill>
+                <a:effectLst/>
+                <a:latin typeface="Arial" panose="020B0604020202020204" pitchFamily="34" charset="0"/>
+                <a:ea typeface="Times New Roman" panose="02020603050405020304" pitchFamily="18" charset="0"/>
+                <a:cs typeface="Arial" panose="020B0604020202020204" pitchFamily="34" charset="0"/>
+              </a:rPr>
+              <a:t>Privacy Consent Management and enforcement. </a:t>
+            </a:r>
+          </a:p>
+          <a:p>
+            <a:pPr marL="0" marR="0" lvl="0" indent="0" algn="ctr" defTabSz="914400" rtl="0" eaLnBrk="0" fontAlgn="base" latinLnBrk="0" hangingPunct="0">
+              <a:lnSpc>
+                <a:spcPct val="100000"/>
+              </a:lnSpc>
+              <a:spcBef>
+                <a:spcPct val="0"/>
+              </a:spcBef>
+              <a:spcAft>
+                <a:spcPct val="0"/>
+              </a:spcAft>
+              <a:buClrTx/>
+              <a:buSzTx/>
+              <a:buFontTx/>
+              <a:buNone/>
+              <a:tabLst/>
+            </a:pPr>
+            <a:r>
+              <a:rPr kumimoji="0" lang="en-US" altLang="en-US" sz="1400" b="1" i="0" u="none" strike="noStrike" cap="none" normalizeH="0" baseline="0" dirty="0">
+                <a:ln>
+                  <a:noFill/>
+                </a:ln>
+                <a:solidFill>
+                  <a:srgbClr val="000080"/>
+                </a:solidFill>
+                <a:effectLst/>
+                <a:latin typeface="Arial" panose="020B0604020202020204" pitchFamily="34" charset="0"/>
+                <a:ea typeface="Times New Roman" panose="02020603050405020304" pitchFamily="18" charset="0"/>
+                <a:cs typeface="Arial" panose="020B0604020202020204" pitchFamily="34" charset="0"/>
+              </a:rPr>
+              <a:t>(BPPC, APPC, PCF)</a:t>
+            </a:r>
+            <a:endParaRPr kumimoji="0" lang="en-US" altLang="en-US" sz="2000" b="0" i="0" u="none" strike="noStrike" cap="none" normalizeH="0" baseline="0" dirty="0">
+              <a:ln>
+                <a:noFill/>
+              </a:ln>
+              <a:solidFill>
+                <a:schemeClr val="tx1"/>
+              </a:solidFill>
+              <a:effectLst/>
+              <a:latin typeface="Arial" panose="020B0604020202020204" pitchFamily="34" charset="0"/>
+            </a:endParaRPr>
+          </a:p>
+        </p:txBody>
+      </p:sp>
+      <p:sp>
+        <p:nvSpPr>
+          <p:cNvPr id="49" name="Rectangle 25">
+            <a:extLst>
+              <a:ext uri="{FF2B5EF4-FFF2-40B4-BE49-F238E27FC236}">
+                <a16:creationId xmlns:a16="http://schemas.microsoft.com/office/drawing/2014/main" id="{8A7A6E7D-3A0B-FEB6-7679-7AD446F9D7B2}"/>
+              </a:ext>
+            </a:extLst>
+          </p:cNvPr>
+          <p:cNvSpPr>
+            <a:spLocks noChangeArrowheads="1"/>
+          </p:cNvSpPr>
+          <p:nvPr/>
+        </p:nvSpPr>
+        <p:spPr bwMode="auto">
+          <a:xfrm>
+            <a:off x="4340938" y="4957841"/>
+            <a:ext cx="3225926" cy="898891"/>
+          </a:xfrm>
+          <a:prstGeom prst="rect">
+            <a:avLst/>
+          </a:prstGeom>
+          <a:solidFill>
+            <a:schemeClr val="accent6">
+              <a:lumMod val="60000"/>
+              <a:lumOff val="40000"/>
+            </a:schemeClr>
+          </a:solidFill>
+          <a:ln w="31115">
+            <a:solidFill>
+              <a:srgbClr val="FF0000"/>
+            </a:solidFill>
+            <a:miter lim="800000"/>
+            <a:headEnd/>
+            <a:tailEnd/>
+          </a:ln>
+        </p:spPr>
+        <p:txBody>
+          <a:bodyPr vert="horz" wrap="square" lIns="91440" tIns="45720" rIns="91440" bIns="45720" numCol="1" anchor="t" anchorCtr="0" compatLnSpc="1">
+            <a:prstTxWarp prst="textNoShape">
+              <a:avLst/>
+            </a:prstTxWarp>
+          </a:bodyPr>
+          <a:lstStyle/>
+          <a:p>
+            <a:endParaRPr lang="en-US" sz="2000"/>
+          </a:p>
+        </p:txBody>
+      </p:sp>
+      <p:sp>
+        <p:nvSpPr>
+          <p:cNvPr id="50" name="Rectangle 24">
+            <a:extLst>
+              <a:ext uri="{FF2B5EF4-FFF2-40B4-BE49-F238E27FC236}">
+                <a16:creationId xmlns:a16="http://schemas.microsoft.com/office/drawing/2014/main" id="{1EABA16C-F131-DEB0-8D8A-7030B7003925}"/>
+              </a:ext>
+            </a:extLst>
+          </p:cNvPr>
+          <p:cNvSpPr>
+            <a:spLocks noChangeArrowheads="1"/>
+          </p:cNvSpPr>
+          <p:nvPr/>
+        </p:nvSpPr>
+        <p:spPr bwMode="auto">
+          <a:xfrm>
+            <a:off x="4418906" y="4957841"/>
+            <a:ext cx="2956287" cy="325646"/>
+          </a:xfrm>
+          <a:prstGeom prst="rect">
+            <a:avLst/>
+          </a:prstGeom>
+          <a:noFill/>
+          <a:ln>
+            <a:noFill/>
+          </a:ln>
+          <a:extLst>
+            <a:ext uri="{909E8E84-426E-40DD-AFC4-6F175D3DCCD1}">
+              <a14:hiddenFill xmlns:a14="http://schemas.microsoft.com/office/drawing/2010/main">
+                <a:solidFill>
+                  <a:srgbClr val="FFFFFF"/>
+                </a:solidFill>
+              </a14:hiddenFill>
+            </a:ext>
+            <a:ext uri="{91240B29-F687-4F45-9708-019B960494DF}">
+              <a14:hiddenLine xmlns:a14="http://schemas.microsoft.com/office/drawing/2010/main" w="9525">
+                <a:solidFill>
+                  <a:srgbClr val="000000"/>
+                </a:solidFill>
+                <a:miter lim="800000"/>
+                <a:headEnd/>
+                <a:tailEnd/>
+              </a14:hiddenLine>
+            </a:ext>
+          </a:extLst>
+        </p:spPr>
+        <p:txBody>
+          <a:bodyPr vert="horz" wrap="square" lIns="0" tIns="0" rIns="0" bIns="0" numCol="1" anchor="t" anchorCtr="0" compatLnSpc="1">
+            <a:prstTxWarp prst="textNoShape">
+              <a:avLst/>
+            </a:prstTxWarp>
+          </a:bodyPr>
+          <a:lstStyle/>
+          <a:p>
+            <a:pPr marL="0" marR="0" lvl="0" indent="0" algn="ctr" defTabSz="914400" rtl="0" eaLnBrk="0" fontAlgn="base" latinLnBrk="0" hangingPunct="0">
+              <a:lnSpc>
+                <a:spcPct val="100000"/>
+              </a:lnSpc>
+              <a:spcBef>
+                <a:spcPct val="0"/>
+              </a:spcBef>
+              <a:spcAft>
+                <a:spcPct val="0"/>
+              </a:spcAft>
+              <a:buClrTx/>
+              <a:buSzTx/>
+              <a:buFontTx/>
+              <a:buNone/>
+              <a:tabLst/>
+            </a:pPr>
+            <a:r>
+              <a:rPr kumimoji="0" lang="en-US" altLang="en-US" b="1" i="1" u="none" strike="noStrike" cap="none" normalizeH="0" baseline="0" dirty="0">
+                <a:ln>
+                  <a:noFill/>
+                </a:ln>
+                <a:solidFill>
+                  <a:srgbClr val="000080"/>
+                </a:solidFill>
+                <a:effectLst/>
+                <a:latin typeface="Arial" panose="020B0604020202020204" pitchFamily="34" charset="0"/>
+                <a:ea typeface="Times New Roman" panose="02020603050405020304" pitchFamily="18" charset="0"/>
+                <a:cs typeface="Arial" panose="020B0604020202020204" pitchFamily="34" charset="0"/>
+              </a:rPr>
+              <a:t>Finance and Insurance</a:t>
+            </a:r>
+            <a:endParaRPr kumimoji="0" lang="en-US" altLang="en-US" sz="2000" b="0" i="0" u="none" strike="noStrike" cap="none" normalizeH="0" baseline="0" dirty="0">
+              <a:ln>
+                <a:noFill/>
+              </a:ln>
+              <a:solidFill>
+                <a:schemeClr val="tx1"/>
+              </a:solidFill>
+              <a:effectLst/>
+              <a:latin typeface="Arial" panose="020B0604020202020204" pitchFamily="34" charset="0"/>
+            </a:endParaRPr>
+          </a:p>
+        </p:txBody>
+      </p:sp>
+      <p:sp>
+        <p:nvSpPr>
+          <p:cNvPr id="51" name="Rectangle 50">
+            <a:extLst>
+              <a:ext uri="{FF2B5EF4-FFF2-40B4-BE49-F238E27FC236}">
+                <a16:creationId xmlns:a16="http://schemas.microsoft.com/office/drawing/2014/main" id="{2978118F-E247-A947-0C75-E551CDB5F3D4}"/>
+              </a:ext>
+            </a:extLst>
+          </p:cNvPr>
+          <p:cNvSpPr>
+            <a:spLocks noChangeArrowheads="1"/>
+          </p:cNvSpPr>
+          <p:nvPr/>
+        </p:nvSpPr>
+        <p:spPr bwMode="auto">
+          <a:xfrm>
+            <a:off x="4418906" y="5361535"/>
+            <a:ext cx="2956287" cy="442717"/>
+          </a:xfrm>
+          <a:prstGeom prst="rect">
+            <a:avLst/>
+          </a:prstGeom>
+          <a:noFill/>
+          <a:ln>
+            <a:noFill/>
+          </a:ln>
+          <a:extLst>
+            <a:ext uri="{909E8E84-426E-40DD-AFC4-6F175D3DCCD1}">
+              <a14:hiddenFill xmlns:a14="http://schemas.microsoft.com/office/drawing/2010/main">
+                <a:solidFill>
+                  <a:srgbClr val="FFFFFF"/>
+                </a:solidFill>
+              </a14:hiddenFill>
+            </a:ext>
+            <a:ext uri="{91240B29-F687-4F45-9708-019B960494DF}">
+              <a14:hiddenLine xmlns:a14="http://schemas.microsoft.com/office/drawing/2010/main" w="9525">
+                <a:solidFill>
+                  <a:srgbClr val="000000"/>
+                </a:solidFill>
+                <a:miter lim="800000"/>
+                <a:headEnd/>
+                <a:tailEnd/>
+              </a14:hiddenLine>
+            </a:ext>
+          </a:extLst>
+        </p:spPr>
+        <p:txBody>
+          <a:bodyPr vert="horz" wrap="square" lIns="0" tIns="0" rIns="0" bIns="0" numCol="1" anchor="t" anchorCtr="0" compatLnSpc="1">
+            <a:prstTxWarp prst="textNoShape">
+              <a:avLst/>
+            </a:prstTxWarp>
+          </a:bodyPr>
+          <a:lstStyle/>
+          <a:p>
+            <a:pPr marL="0" marR="0" lvl="0" indent="0" algn="ctr" defTabSz="914400" rtl="0" eaLnBrk="0" fontAlgn="base" latinLnBrk="0" hangingPunct="0">
+              <a:lnSpc>
+                <a:spcPct val="100000"/>
+              </a:lnSpc>
+              <a:spcBef>
+                <a:spcPct val="0"/>
+              </a:spcBef>
+              <a:spcAft>
+                <a:spcPct val="0"/>
+              </a:spcAft>
+              <a:buClrTx/>
+              <a:buSzTx/>
+              <a:buFontTx/>
+              <a:buNone/>
+              <a:tabLst/>
+            </a:pPr>
+            <a:r>
+              <a:rPr kumimoji="0" lang="en-US" altLang="en-US" sz="1400" b="1" i="0" u="none" strike="noStrike" cap="none" normalizeH="0" baseline="0" dirty="0">
+                <a:ln>
+                  <a:noFill/>
+                </a:ln>
+                <a:solidFill>
+                  <a:srgbClr val="000080"/>
+                </a:solidFill>
+                <a:effectLst/>
+                <a:latin typeface="Arial" panose="020B0604020202020204" pitchFamily="34" charset="0"/>
+                <a:ea typeface="Times New Roman" panose="02020603050405020304" pitchFamily="18" charset="0"/>
+                <a:cs typeface="Arial" panose="020B0604020202020204" pitchFamily="34" charset="0"/>
+              </a:rPr>
+              <a:t>Clinical activities finance and insurance (FAIS)</a:t>
+            </a:r>
+            <a:endParaRPr kumimoji="0" lang="en-US" altLang="en-US" sz="2000" b="0" i="0" u="none" strike="noStrike" cap="none" normalizeH="0" baseline="0" dirty="0">
+              <a:ln>
+                <a:noFill/>
+              </a:ln>
+              <a:solidFill>
+                <a:schemeClr val="tx1"/>
+              </a:solidFill>
+              <a:effectLst/>
+              <a:latin typeface="Arial" panose="020B0604020202020204" pitchFamily="34" charset="0"/>
+            </a:endParaRPr>
           </a:p>
         </p:txBody>
       </p:sp>
